--- a/ppt/侯国坤-面试陈述_20210628_20.15.pptx
+++ b/ppt/侯国坤-面试陈述_20210628_20.15.pptx
@@ -5,35 +5,35 @@
     <p:sldMasterId id="2147483648" r:id="rId1"/>
   </p:sldMasterIdLst>
   <p:notesMasterIdLst>
-    <p:notesMasterId r:id="rId23"/>
+    <p:notesMasterId r:id="rId4"/>
   </p:notesMasterIdLst>
   <p:sldIdLst>
-    <p:sldId id="649" r:id="rId2"/>
-    <p:sldId id="617" r:id="rId3"/>
-    <p:sldId id="650" r:id="rId4"/>
-    <p:sldId id="634" r:id="rId5"/>
-    <p:sldId id="618" r:id="rId6"/>
-    <p:sldId id="616" r:id="rId7"/>
-    <p:sldId id="565" r:id="rId8"/>
-    <p:sldId id="667" r:id="rId9"/>
-    <p:sldId id="609" r:id="rId10"/>
-    <p:sldId id="595" r:id="rId11"/>
-    <p:sldId id="681" r:id="rId12"/>
-    <p:sldId id="599" r:id="rId13"/>
-    <p:sldId id="598" r:id="rId14"/>
-    <p:sldId id="601" r:id="rId15"/>
-    <p:sldId id="679" r:id="rId16"/>
-    <p:sldId id="678" r:id="rId17"/>
-    <p:sldId id="680" r:id="rId18"/>
-    <p:sldId id="619" r:id="rId19"/>
-    <p:sldId id="620" r:id="rId20"/>
-    <p:sldId id="631" r:id="rId21"/>
-    <p:sldId id="632" r:id="rId22"/>
+    <p:sldId id="649" r:id="rId3"/>
+    <p:sldId id="617" r:id="rId5"/>
+    <p:sldId id="650" r:id="rId6"/>
+    <p:sldId id="634" r:id="rId7"/>
+    <p:sldId id="618" r:id="rId8"/>
+    <p:sldId id="616" r:id="rId9"/>
+    <p:sldId id="565" r:id="rId10"/>
+    <p:sldId id="667" r:id="rId11"/>
+    <p:sldId id="609" r:id="rId12"/>
+    <p:sldId id="595" r:id="rId13"/>
+    <p:sldId id="681" r:id="rId14"/>
+    <p:sldId id="599" r:id="rId15"/>
+    <p:sldId id="598" r:id="rId16"/>
+    <p:sldId id="601" r:id="rId17"/>
+    <p:sldId id="679" r:id="rId18"/>
+    <p:sldId id="678" r:id="rId19"/>
+    <p:sldId id="680" r:id="rId20"/>
+    <p:sldId id="619" r:id="rId21"/>
+    <p:sldId id="620" r:id="rId22"/>
+    <p:sldId id="631" r:id="rId23"/>
+    <p:sldId id="632" r:id="rId24"/>
   </p:sldIdLst>
   <p:sldSz cx="12192000" cy="6858000"/>
   <p:notesSz cx="6858000" cy="9144000"/>
   <p:custDataLst>
-    <p:tags r:id="rId24"/>
+    <p:tags r:id="rId29"/>
   </p:custDataLst>
   <p:defaultTextStyle>
     <a:defPPr>
@@ -130,24 +130,13 @@
       </a:defRPr>
     </a:lvl9pPr>
   </p:defaultTextStyle>
-  <p:extLst>
-    <p:ext uri="{EFAFB233-063F-42B5-8137-9DF3F51BA10A}">
-      <p15:sldGuideLst xmlns:p15="http://schemas.microsoft.com/office/powerpoint/2012/main"/>
-    </p:ext>
-  </p:extLst>
 </p:presentation>
 </file>
 
 <file path=ppt/commentAuthors.xml><?xml version="1.0" encoding="utf-8"?>
 <p:cmAuthorLst xmlns:a="http://schemas.openxmlformats.org/drawingml/2006/main" xmlns:r="http://schemas.openxmlformats.org/officeDocument/2006/relationships" xmlns:p="http://schemas.openxmlformats.org/presentationml/2006/main">
   <p:cmAuthor id="1" name="王笛" initials="王" lastIdx="1" clrIdx="0"/>
-  <p:cmAuthor id="2" name="android1@lazyaudio.com" initials="a" lastIdx="1" clrIdx="1">
-    <p:extLst>
-      <p:ext uri="{19B8F6BF-5375-455C-9EA6-DF929625EA0E}">
-        <p15:presenceInfo xmlns:p15="http://schemas.microsoft.com/office/powerpoint/2012/main" userId="android1@lazyaudio.com" providerId="None"/>
-      </p:ext>
-    </p:extLst>
-  </p:cmAuthor>
+  <p:cmAuthor id="2" name="android1@lazyaudio.com" initials="a" lastIdx="1" clrIdx="1"/>
 </p:cmAuthorLst>
 </file>
 
@@ -158,117 +147,39 @@
   <dgm:catLst>
     <dgm:cat type="accent1" pri="11200"/>
   </dgm:catLst>
-  <dgm:styleLbl name="node0">
+  <dgm:styleLbl name="alignAcc1">
     <dgm:fillClrLst meth="repeat">
-      <a:schemeClr val="accent1"/>
-    </dgm:fillClrLst>
-    <dgm:linClrLst meth="repeat">
-      <a:schemeClr val="lt1"/>
-    </dgm:linClrLst>
-    <dgm:effectClrLst/>
-    <dgm:txLinClrLst/>
-    <dgm:txFillClrLst/>
-    <dgm:txEffectClrLst/>
-  </dgm:styleLbl>
-  <dgm:styleLbl name="alignNode1">
-    <dgm:fillClrLst meth="repeat">
-      <a:schemeClr val="accent1"/>
+      <a:schemeClr val="lt1">
+        <a:alpha val="90000"/>
+      </a:schemeClr>
     </dgm:fillClrLst>
     <dgm:linClrLst meth="repeat">
       <a:schemeClr val="accent1"/>
     </dgm:linClrLst>
     <dgm:effectClrLst/>
     <dgm:txLinClrLst/>
-    <dgm:txFillClrLst/>
+    <dgm:txFillClrLst meth="repeat">
+      <a:schemeClr val="dk1"/>
+    </dgm:txFillClrLst>
     <dgm:txEffectClrLst/>
   </dgm:styleLbl>
-  <dgm:styleLbl name="node1">
-    <dgm:fillClrLst meth="repeat">
-      <a:schemeClr val="accent1"/>
-    </dgm:fillClrLst>
-    <dgm:linClrLst meth="repeat">
-      <a:schemeClr val="lt1"/>
-    </dgm:linClrLst>
-    <dgm:effectClrLst/>
-    <dgm:txLinClrLst/>
-    <dgm:txFillClrLst/>
-    <dgm:txEffectClrLst/>
-  </dgm:styleLbl>
-  <dgm:styleLbl name="lnNode1">
-    <dgm:fillClrLst meth="repeat">
-      <a:schemeClr val="accent1"/>
-    </dgm:fillClrLst>
-    <dgm:linClrLst meth="repeat">
-      <a:schemeClr val="lt1"/>
-    </dgm:linClrLst>
-    <dgm:effectClrLst/>
-    <dgm:txLinClrLst/>
-    <dgm:txFillClrLst/>
-    <dgm:txEffectClrLst/>
-  </dgm:styleLbl>
-  <dgm:styleLbl name="vennNode1">
+  <dgm:styleLbl name="alignAccFollowNode1">
     <dgm:fillClrLst meth="repeat">
       <a:schemeClr val="accent1">
-        <a:alpha val="50000"/>
+        <a:alpha val="90000"/>
+        <a:tint val="40000"/>
       </a:schemeClr>
     </dgm:fillClrLst>
     <dgm:linClrLst meth="repeat">
-      <a:schemeClr val="lt1"/>
-    </dgm:linClrLst>
-    <dgm:effectClrLst/>
-    <dgm:txLinClrLst/>
-    <dgm:txFillClrLst/>
-    <dgm:txEffectClrLst/>
-  </dgm:styleLbl>
-  <dgm:styleLbl name="node2">
-    <dgm:fillClrLst meth="repeat">
-      <a:schemeClr val="accent1"/>
-    </dgm:fillClrLst>
-    <dgm:linClrLst meth="repeat">
-      <a:schemeClr val="lt1"/>
-    </dgm:linClrLst>
-    <dgm:effectClrLst/>
-    <dgm:txLinClrLst/>
-    <dgm:txFillClrLst/>
-    <dgm:txEffectClrLst/>
-  </dgm:styleLbl>
-  <dgm:styleLbl name="node3">
-    <dgm:fillClrLst meth="repeat">
-      <a:schemeClr val="accent1"/>
-    </dgm:fillClrLst>
-    <dgm:linClrLst meth="repeat">
-      <a:schemeClr val="lt1"/>
-    </dgm:linClrLst>
-    <dgm:effectClrLst/>
-    <dgm:txLinClrLst/>
-    <dgm:txFillClrLst/>
-    <dgm:txEffectClrLst/>
-  </dgm:styleLbl>
-  <dgm:styleLbl name="node4">
-    <dgm:fillClrLst meth="repeat">
-      <a:schemeClr val="accent1"/>
-    </dgm:fillClrLst>
-    <dgm:linClrLst meth="repeat">
-      <a:schemeClr val="lt1"/>
-    </dgm:linClrLst>
-    <dgm:effectClrLst/>
-    <dgm:txLinClrLst/>
-    <dgm:txFillClrLst/>
-    <dgm:txEffectClrLst/>
-  </dgm:styleLbl>
-  <dgm:styleLbl name="fgImgPlace1">
-    <dgm:fillClrLst meth="repeat">
       <a:schemeClr val="accent1">
-        <a:tint val="50000"/>
+        <a:alpha val="90000"/>
+        <a:tint val="40000"/>
       </a:schemeClr>
-    </dgm:fillClrLst>
-    <dgm:linClrLst meth="repeat">
-      <a:schemeClr val="lt1"/>
     </dgm:linClrLst>
     <dgm:effectClrLst/>
     <dgm:txLinClrLst/>
     <dgm:txFillClrLst meth="repeat">
-      <a:schemeClr val="lt1"/>
+      <a:schemeClr val="dk1"/>
     </dgm:txFillClrLst>
     <dgm:txEffectClrLst/>
   </dgm:styleLbl>
@@ -288,71 +199,7 @@
     </dgm:txFillClrLst>
     <dgm:txEffectClrLst/>
   </dgm:styleLbl>
-  <dgm:styleLbl name="bgImgPlace1">
-    <dgm:fillClrLst meth="repeat">
-      <a:schemeClr val="accent1">
-        <a:tint val="50000"/>
-      </a:schemeClr>
-    </dgm:fillClrLst>
-    <dgm:linClrLst meth="repeat">
-      <a:schemeClr val="lt1"/>
-    </dgm:linClrLst>
-    <dgm:effectClrLst/>
-    <dgm:txLinClrLst/>
-    <dgm:txFillClrLst meth="repeat">
-      <a:schemeClr val="lt1"/>
-    </dgm:txFillClrLst>
-    <dgm:txEffectClrLst/>
-  </dgm:styleLbl>
-  <dgm:styleLbl name="sibTrans2D1">
-    <dgm:fillClrLst meth="repeat">
-      <a:schemeClr val="accent1">
-        <a:tint val="60000"/>
-      </a:schemeClr>
-    </dgm:fillClrLst>
-    <dgm:linClrLst meth="repeat">
-      <a:schemeClr val="accent1">
-        <a:tint val="60000"/>
-      </a:schemeClr>
-    </dgm:linClrLst>
-    <dgm:effectClrLst/>
-    <dgm:txLinClrLst/>
-    <dgm:txFillClrLst/>
-    <dgm:txEffectClrLst/>
-  </dgm:styleLbl>
-  <dgm:styleLbl name="fgSibTrans2D1">
-    <dgm:fillClrLst meth="repeat">
-      <a:schemeClr val="accent1">
-        <a:tint val="60000"/>
-      </a:schemeClr>
-    </dgm:fillClrLst>
-    <dgm:linClrLst meth="repeat">
-      <a:schemeClr val="accent1">
-        <a:tint val="60000"/>
-      </a:schemeClr>
-    </dgm:linClrLst>
-    <dgm:effectClrLst/>
-    <dgm:txLinClrLst/>
-    <dgm:txFillClrLst/>
-    <dgm:txEffectClrLst/>
-  </dgm:styleLbl>
-  <dgm:styleLbl name="bgSibTrans2D1">
-    <dgm:fillClrLst meth="repeat">
-      <a:schemeClr val="accent1">
-        <a:tint val="60000"/>
-      </a:schemeClr>
-    </dgm:fillClrLst>
-    <dgm:linClrLst meth="repeat">
-      <a:schemeClr val="accent1">
-        <a:tint val="60000"/>
-      </a:schemeClr>
-    </dgm:linClrLst>
-    <dgm:effectClrLst/>
-    <dgm:txLinClrLst/>
-    <dgm:txFillClrLst/>
-    <dgm:txEffectClrLst/>
-  </dgm:styleLbl>
-  <dgm:styleLbl name="sibTrans1D1">
+  <dgm:styleLbl name="alignNode1">
     <dgm:fillClrLst meth="repeat">
       <a:schemeClr val="accent1"/>
     </dgm:fillClrLst>
@@ -361,25 +208,7 @@
     </dgm:linClrLst>
     <dgm:effectClrLst/>
     <dgm:txLinClrLst/>
-    <dgm:txFillClrLst meth="repeat">
-      <a:schemeClr val="tx1"/>
-    </dgm:txFillClrLst>
-    <dgm:txEffectClrLst/>
-  </dgm:styleLbl>
-  <dgm:styleLbl name="callout">
-    <dgm:fillClrLst meth="repeat">
-      <a:schemeClr val="accent1"/>
-    </dgm:fillClrLst>
-    <dgm:linClrLst meth="repeat">
-      <a:schemeClr val="accent1">
-        <a:tint val="50000"/>
-      </a:schemeClr>
-    </dgm:linClrLst>
-    <dgm:effectClrLst/>
-    <dgm:txLinClrLst/>
-    <dgm:txFillClrLst meth="repeat">
-      <a:schemeClr val="tx1"/>
-    </dgm:txFillClrLst>
+    <dgm:txFillClrLst/>
     <dgm:txEffectClrLst/>
   </dgm:styleLbl>
   <dgm:styleLbl name="asst0">
@@ -442,7 +271,75 @@
     <dgm:txFillClrLst/>
     <dgm:txEffectClrLst/>
   </dgm:styleLbl>
-  <dgm:styleLbl name="parChTrans2D1">
+  <dgm:styleLbl name="bgAcc1">
+    <dgm:fillClrLst meth="repeat">
+      <a:schemeClr val="lt1">
+        <a:alpha val="90000"/>
+      </a:schemeClr>
+    </dgm:fillClrLst>
+    <dgm:linClrLst meth="repeat">
+      <a:schemeClr val="accent1"/>
+    </dgm:linClrLst>
+    <dgm:effectClrLst/>
+    <dgm:txLinClrLst/>
+    <dgm:txFillClrLst meth="repeat">
+      <a:schemeClr val="dk1"/>
+    </dgm:txFillClrLst>
+    <dgm:txEffectClrLst/>
+  </dgm:styleLbl>
+  <dgm:styleLbl name="bgAccFollowNode1">
+    <dgm:fillClrLst meth="repeat">
+      <a:schemeClr val="accent1">
+        <a:alpha val="90000"/>
+        <a:tint val="40000"/>
+      </a:schemeClr>
+    </dgm:fillClrLst>
+    <dgm:linClrLst meth="repeat">
+      <a:schemeClr val="accent1">
+        <a:alpha val="90000"/>
+        <a:tint val="40000"/>
+      </a:schemeClr>
+    </dgm:linClrLst>
+    <dgm:effectClrLst/>
+    <dgm:txLinClrLst/>
+    <dgm:txFillClrLst meth="repeat">
+      <a:schemeClr val="dk1"/>
+    </dgm:txFillClrLst>
+    <dgm:txEffectClrLst/>
+  </dgm:styleLbl>
+  <dgm:styleLbl name="bgImgPlace1">
+    <dgm:fillClrLst meth="repeat">
+      <a:schemeClr val="accent1">
+        <a:tint val="50000"/>
+      </a:schemeClr>
+    </dgm:fillClrLst>
+    <dgm:linClrLst meth="repeat">
+      <a:schemeClr val="lt1"/>
+    </dgm:linClrLst>
+    <dgm:effectClrLst/>
+    <dgm:txLinClrLst/>
+    <dgm:txFillClrLst meth="repeat">
+      <a:schemeClr val="lt1"/>
+    </dgm:txFillClrLst>
+    <dgm:txEffectClrLst/>
+  </dgm:styleLbl>
+  <dgm:styleLbl name="bgShp">
+    <dgm:fillClrLst meth="repeat">
+      <a:schemeClr val="accent1">
+        <a:tint val="40000"/>
+      </a:schemeClr>
+    </dgm:fillClrLst>
+    <dgm:linClrLst meth="repeat">
+      <a:schemeClr val="accent1"/>
+    </dgm:linClrLst>
+    <dgm:effectClrLst/>
+    <dgm:txLinClrLst/>
+    <dgm:txFillClrLst meth="repeat">
+      <a:schemeClr val="dk1"/>
+    </dgm:txFillClrLst>
+    <dgm:txEffectClrLst/>
+  </dgm:styleLbl>
+  <dgm:styleLbl name="bgSibTrans2D1">
     <dgm:fillClrLst meth="repeat">
       <a:schemeClr val="accent1">
         <a:tint val="60000"/>
@@ -455,14 +352,46 @@
     </dgm:linClrLst>
     <dgm:effectClrLst/>
     <dgm:txLinClrLst/>
+    <dgm:txFillClrLst/>
+    <dgm:txEffectClrLst/>
+  </dgm:styleLbl>
+  <dgm:styleLbl name="callout">
+    <dgm:fillClrLst meth="repeat">
+      <a:schemeClr val="accent1"/>
+    </dgm:fillClrLst>
+    <dgm:linClrLst meth="repeat">
+      <a:schemeClr val="accent1">
+        <a:tint val="50000"/>
+      </a:schemeClr>
+    </dgm:linClrLst>
+    <dgm:effectClrLst/>
+    <dgm:txLinClrLst/>
     <dgm:txFillClrLst meth="repeat">
-      <a:schemeClr val="lt1"/>
+      <a:schemeClr val="tx1"/>
     </dgm:txFillClrLst>
     <dgm:txEffectClrLst/>
   </dgm:styleLbl>
-  <dgm:styleLbl name="parChTrans2D2">
+  <dgm:styleLbl name="conFgAcc1">
     <dgm:fillClrLst meth="repeat">
+      <a:schemeClr val="lt1">
+        <a:alpha val="90000"/>
+      </a:schemeClr>
+    </dgm:fillClrLst>
+    <dgm:linClrLst meth="repeat">
       <a:schemeClr val="accent1"/>
+    </dgm:linClrLst>
+    <dgm:effectClrLst/>
+    <dgm:txLinClrLst/>
+    <dgm:txFillClrLst meth="repeat">
+      <a:schemeClr val="dk1"/>
+    </dgm:txFillClrLst>
+    <dgm:txEffectClrLst/>
+  </dgm:styleLbl>
+  <dgm:styleLbl name="dkBgShp">
+    <dgm:fillClrLst meth="repeat">
+      <a:schemeClr val="accent1">
+        <a:shade val="80000"/>
+      </a:schemeClr>
     </dgm:fillClrLst>
     <dgm:linClrLst meth="repeat">
       <a:schemeClr val="accent1"/>
@@ -474,12 +403,114 @@
     </dgm:txFillClrLst>
     <dgm:txEffectClrLst/>
   </dgm:styleLbl>
-  <dgm:styleLbl name="parChTrans2D3">
+  <dgm:styleLbl name="fgAcc0">
     <dgm:fillClrLst meth="repeat">
-      <a:schemeClr val="accent1"/>
+      <a:schemeClr val="lt1">
+        <a:alpha val="90000"/>
+      </a:schemeClr>
     </dgm:fillClrLst>
     <dgm:linClrLst meth="repeat">
       <a:schemeClr val="accent1"/>
+    </dgm:linClrLst>
+    <dgm:effectClrLst/>
+    <dgm:txLinClrLst/>
+    <dgm:txFillClrLst meth="repeat">
+      <a:schemeClr val="dk1"/>
+    </dgm:txFillClrLst>
+    <dgm:txEffectClrLst/>
+  </dgm:styleLbl>
+  <dgm:styleLbl name="fgAcc1">
+    <dgm:fillClrLst meth="repeat">
+      <a:schemeClr val="lt1">
+        <a:alpha val="90000"/>
+      </a:schemeClr>
+    </dgm:fillClrLst>
+    <dgm:linClrLst meth="repeat">
+      <a:schemeClr val="accent1"/>
+    </dgm:linClrLst>
+    <dgm:effectClrLst/>
+    <dgm:txLinClrLst/>
+    <dgm:txFillClrLst meth="repeat">
+      <a:schemeClr val="dk1"/>
+    </dgm:txFillClrLst>
+    <dgm:txEffectClrLst/>
+  </dgm:styleLbl>
+  <dgm:styleLbl name="fgAcc2">
+    <dgm:fillClrLst meth="repeat">
+      <a:schemeClr val="lt1">
+        <a:alpha val="90000"/>
+      </a:schemeClr>
+    </dgm:fillClrLst>
+    <dgm:linClrLst meth="repeat">
+      <a:schemeClr val="accent1"/>
+    </dgm:linClrLst>
+    <dgm:effectClrLst/>
+    <dgm:txLinClrLst/>
+    <dgm:txFillClrLst meth="repeat">
+      <a:schemeClr val="dk1"/>
+    </dgm:txFillClrLst>
+    <dgm:txEffectClrLst/>
+  </dgm:styleLbl>
+  <dgm:styleLbl name="fgAcc3">
+    <dgm:fillClrLst meth="repeat">
+      <a:schemeClr val="lt1">
+        <a:alpha val="90000"/>
+      </a:schemeClr>
+    </dgm:fillClrLst>
+    <dgm:linClrLst meth="repeat">
+      <a:schemeClr val="accent1"/>
+    </dgm:linClrLst>
+    <dgm:effectClrLst/>
+    <dgm:txLinClrLst/>
+    <dgm:txFillClrLst meth="repeat">
+      <a:schemeClr val="dk1"/>
+    </dgm:txFillClrLst>
+    <dgm:txEffectClrLst/>
+  </dgm:styleLbl>
+  <dgm:styleLbl name="fgAcc4">
+    <dgm:fillClrLst meth="repeat">
+      <a:schemeClr val="lt1">
+        <a:alpha val="90000"/>
+      </a:schemeClr>
+    </dgm:fillClrLst>
+    <dgm:linClrLst meth="repeat">
+      <a:schemeClr val="accent1"/>
+    </dgm:linClrLst>
+    <dgm:effectClrLst/>
+    <dgm:txLinClrLst/>
+    <dgm:txFillClrLst meth="repeat">
+      <a:schemeClr val="dk1"/>
+    </dgm:txFillClrLst>
+    <dgm:txEffectClrLst/>
+  </dgm:styleLbl>
+  <dgm:styleLbl name="fgAccFollowNode1">
+    <dgm:fillClrLst meth="repeat">
+      <a:schemeClr val="accent1">
+        <a:alpha val="90000"/>
+        <a:tint val="40000"/>
+      </a:schemeClr>
+    </dgm:fillClrLst>
+    <dgm:linClrLst meth="repeat">
+      <a:schemeClr val="accent1">
+        <a:alpha val="90000"/>
+        <a:tint val="40000"/>
+      </a:schemeClr>
+    </dgm:linClrLst>
+    <dgm:effectClrLst/>
+    <dgm:txLinClrLst/>
+    <dgm:txFillClrLst meth="repeat">
+      <a:schemeClr val="dk1"/>
+    </dgm:txFillClrLst>
+    <dgm:txEffectClrLst/>
+  </dgm:styleLbl>
+  <dgm:styleLbl name="fgImgPlace1">
+    <dgm:fillClrLst meth="repeat">
+      <a:schemeClr val="accent1">
+        <a:tint val="50000"/>
+      </a:schemeClr>
+    </dgm:fillClrLst>
+    <dgm:linClrLst meth="repeat">
+      <a:schemeClr val="lt1"/>
     </dgm:linClrLst>
     <dgm:effectClrLst/>
     <dgm:txLinClrLst/>
@@ -488,18 +519,108 @@
     </dgm:txFillClrLst>
     <dgm:txEffectClrLst/>
   </dgm:styleLbl>
-  <dgm:styleLbl name="parChTrans2D4">
+  <dgm:styleLbl name="fgShp">
+    <dgm:fillClrLst meth="repeat">
+      <a:schemeClr val="accent1">
+        <a:tint val="60000"/>
+      </a:schemeClr>
+    </dgm:fillClrLst>
+    <dgm:linClrLst meth="repeat">
+      <a:schemeClr val="lt1"/>
+    </dgm:linClrLst>
+    <dgm:effectClrLst/>
+    <dgm:txLinClrLst/>
+    <dgm:txFillClrLst meth="repeat">
+      <a:schemeClr val="dk1"/>
+    </dgm:txFillClrLst>
+    <dgm:txEffectClrLst/>
+  </dgm:styleLbl>
+  <dgm:styleLbl name="fgSibTrans2D1">
+    <dgm:fillClrLst meth="repeat">
+      <a:schemeClr val="accent1">
+        <a:tint val="60000"/>
+      </a:schemeClr>
+    </dgm:fillClrLst>
+    <dgm:linClrLst meth="repeat">
+      <a:schemeClr val="accent1">
+        <a:tint val="60000"/>
+      </a:schemeClr>
+    </dgm:linClrLst>
+    <dgm:effectClrLst/>
+    <dgm:txLinClrLst/>
+    <dgm:txFillClrLst/>
+    <dgm:txEffectClrLst/>
+  </dgm:styleLbl>
+  <dgm:styleLbl name="lnNode1">
     <dgm:fillClrLst meth="repeat">
       <a:schemeClr val="accent1"/>
     </dgm:fillClrLst>
     <dgm:linClrLst meth="repeat">
-      <a:schemeClr val="accent1"/>
+      <a:schemeClr val="lt1"/>
     </dgm:linClrLst>
     <dgm:effectClrLst/>
     <dgm:txLinClrLst/>
-    <dgm:txFillClrLst meth="repeat">
+    <dgm:txFillClrLst/>
+    <dgm:txEffectClrLst/>
+  </dgm:styleLbl>
+  <dgm:styleLbl name="node0">
+    <dgm:fillClrLst meth="repeat">
+      <a:schemeClr val="accent1"/>
+    </dgm:fillClrLst>
+    <dgm:linClrLst meth="repeat">
       <a:schemeClr val="lt1"/>
-    </dgm:txFillClrLst>
+    </dgm:linClrLst>
+    <dgm:effectClrLst/>
+    <dgm:txLinClrLst/>
+    <dgm:txFillClrLst/>
+    <dgm:txEffectClrLst/>
+  </dgm:styleLbl>
+  <dgm:styleLbl name="node1">
+    <dgm:fillClrLst meth="repeat">
+      <a:schemeClr val="accent1"/>
+    </dgm:fillClrLst>
+    <dgm:linClrLst meth="repeat">
+      <a:schemeClr val="lt1"/>
+    </dgm:linClrLst>
+    <dgm:effectClrLst/>
+    <dgm:txLinClrLst/>
+    <dgm:txFillClrLst/>
+    <dgm:txEffectClrLst/>
+  </dgm:styleLbl>
+  <dgm:styleLbl name="node2">
+    <dgm:fillClrLst meth="repeat">
+      <a:schemeClr val="accent1"/>
+    </dgm:fillClrLst>
+    <dgm:linClrLst meth="repeat">
+      <a:schemeClr val="lt1"/>
+    </dgm:linClrLst>
+    <dgm:effectClrLst/>
+    <dgm:txLinClrLst/>
+    <dgm:txFillClrLst/>
+    <dgm:txEffectClrLst/>
+  </dgm:styleLbl>
+  <dgm:styleLbl name="node3">
+    <dgm:fillClrLst meth="repeat">
+      <a:schemeClr val="accent1"/>
+    </dgm:fillClrLst>
+    <dgm:linClrLst meth="repeat">
+      <a:schemeClr val="lt1"/>
+    </dgm:linClrLst>
+    <dgm:effectClrLst/>
+    <dgm:txLinClrLst/>
+    <dgm:txFillClrLst/>
+    <dgm:txEffectClrLst/>
+  </dgm:styleLbl>
+  <dgm:styleLbl name="node4">
+    <dgm:fillClrLst meth="repeat">
+      <a:schemeClr val="accent1"/>
+    </dgm:fillClrLst>
+    <dgm:linClrLst meth="repeat">
+      <a:schemeClr val="lt1"/>
+    </dgm:linClrLst>
+    <dgm:effectClrLst/>
+    <dgm:txLinClrLst/>
+    <dgm:txFillClrLst/>
     <dgm:txEffectClrLst/>
   </dgm:styleLbl>
   <dgm:styleLbl name="parChTrans1D1">
@@ -566,11 +687,27 @@
     </dgm:txFillClrLst>
     <dgm:txEffectClrLst/>
   </dgm:styleLbl>
-  <dgm:styleLbl name="fgAcc1">
+  <dgm:styleLbl name="parChTrans2D1">
     <dgm:fillClrLst meth="repeat">
-      <a:schemeClr val="lt1">
-        <a:alpha val="90000"/>
+      <a:schemeClr val="accent1">
+        <a:tint val="60000"/>
       </a:schemeClr>
+    </dgm:fillClrLst>
+    <dgm:linClrLst meth="repeat">
+      <a:schemeClr val="accent1">
+        <a:tint val="60000"/>
+      </a:schemeClr>
+    </dgm:linClrLst>
+    <dgm:effectClrLst/>
+    <dgm:txLinClrLst/>
+    <dgm:txFillClrLst meth="repeat">
+      <a:schemeClr val="lt1"/>
+    </dgm:txFillClrLst>
+    <dgm:txEffectClrLst/>
+  </dgm:styleLbl>
+  <dgm:styleLbl name="parChTrans2D2">
+    <dgm:fillClrLst meth="repeat">
+      <a:schemeClr val="accent1"/>
     </dgm:fillClrLst>
     <dgm:linClrLst meth="repeat">
       <a:schemeClr val="accent1"/>
@@ -578,15 +715,13 @@
     <dgm:effectClrLst/>
     <dgm:txLinClrLst/>
     <dgm:txFillClrLst meth="repeat">
-      <a:schemeClr val="dk1"/>
+      <a:schemeClr val="lt1"/>
     </dgm:txFillClrLst>
     <dgm:txEffectClrLst/>
   </dgm:styleLbl>
-  <dgm:styleLbl name="conFgAcc1">
+  <dgm:styleLbl name="parChTrans2D3">
     <dgm:fillClrLst meth="repeat">
-      <a:schemeClr val="lt1">
-        <a:alpha val="90000"/>
-      </a:schemeClr>
+      <a:schemeClr val="accent1"/>
     </dgm:fillClrLst>
     <dgm:linClrLst meth="repeat">
       <a:schemeClr val="accent1"/>
@@ -594,15 +729,13 @@
     <dgm:effectClrLst/>
     <dgm:txLinClrLst/>
     <dgm:txFillClrLst meth="repeat">
-      <a:schemeClr val="dk1"/>
+      <a:schemeClr val="lt1"/>
     </dgm:txFillClrLst>
     <dgm:txEffectClrLst/>
   </dgm:styleLbl>
-  <dgm:styleLbl name="alignAcc1">
+  <dgm:styleLbl name="parChTrans2D4">
     <dgm:fillClrLst meth="repeat">
-      <a:schemeClr val="lt1">
-        <a:alpha val="90000"/>
-      </a:schemeClr>
+      <a:schemeClr val="accent1"/>
     </dgm:fillClrLst>
     <dgm:linClrLst meth="repeat">
       <a:schemeClr val="accent1"/>
@@ -610,15 +743,31 @@
     <dgm:effectClrLst/>
     <dgm:txLinClrLst/>
     <dgm:txFillClrLst meth="repeat">
-      <a:schemeClr val="dk1"/>
+      <a:schemeClr val="lt1"/>
     </dgm:txFillClrLst>
     <dgm:txEffectClrLst/>
   </dgm:styleLbl>
-  <dgm:styleLbl name="trAlignAcc1">
+  <dgm:styleLbl name="revTx">
     <dgm:fillClrLst meth="repeat">
       <a:schemeClr val="lt1">
-        <a:alpha val="40000"/>
+        <a:alpha val="0"/>
       </a:schemeClr>
+    </dgm:fillClrLst>
+    <dgm:linClrLst meth="repeat">
+      <a:schemeClr val="dk1">
+        <a:alpha val="0"/>
+      </a:schemeClr>
+    </dgm:linClrLst>
+    <dgm:effectClrLst/>
+    <dgm:txLinClrLst/>
+    <dgm:txFillClrLst meth="repeat">
+      <a:schemeClr val="tx1"/>
+    </dgm:txFillClrLst>
+    <dgm:txEffectClrLst/>
+  </dgm:styleLbl>
+  <dgm:styleLbl name="sibTrans1D1">
+    <dgm:fillClrLst meth="repeat">
+      <a:schemeClr val="accent1"/>
     </dgm:fillClrLst>
     <dgm:linClrLst meth="repeat">
       <a:schemeClr val="accent1"/>
@@ -626,38 +775,24 @@
     <dgm:effectClrLst/>
     <dgm:txLinClrLst/>
     <dgm:txFillClrLst meth="repeat">
-      <a:schemeClr val="dk1"/>
+      <a:schemeClr val="tx1"/>
     </dgm:txFillClrLst>
     <dgm:txEffectClrLst/>
   </dgm:styleLbl>
-  <dgm:styleLbl name="bgAcc1">
+  <dgm:styleLbl name="sibTrans2D1">
     <dgm:fillClrLst meth="repeat">
-      <a:schemeClr val="lt1">
-        <a:alpha val="90000"/>
+      <a:schemeClr val="accent1">
+        <a:tint val="60000"/>
       </a:schemeClr>
     </dgm:fillClrLst>
     <dgm:linClrLst meth="repeat">
-      <a:schemeClr val="accent1"/>
+      <a:schemeClr val="accent1">
+        <a:tint val="60000"/>
+      </a:schemeClr>
     </dgm:linClrLst>
     <dgm:effectClrLst/>
     <dgm:txLinClrLst/>
-    <dgm:txFillClrLst meth="repeat">
-      <a:schemeClr val="dk1"/>
-    </dgm:txFillClrLst>
-    <dgm:txEffectClrLst/>
-  </dgm:styleLbl>
-  <dgm:styleLbl name="solidFgAcc1">
-    <dgm:fillClrLst meth="repeat">
-      <a:schemeClr val="lt1"/>
-    </dgm:fillClrLst>
-    <dgm:linClrLst meth="repeat">
-      <a:schemeClr val="accent1"/>
-    </dgm:linClrLst>
-    <dgm:effectClrLst/>
-    <dgm:txLinClrLst/>
-    <dgm:txFillClrLst meth="repeat">
-      <a:schemeClr val="dk1"/>
-    </dgm:txFillClrLst>
+    <dgm:txFillClrLst/>
     <dgm:txEffectClrLst/>
   </dgm:styleLbl>
   <dgm:styleLbl name="solidAlignAcc1">
@@ -688,71 +823,9 @@
     </dgm:txFillClrLst>
     <dgm:txEffectClrLst/>
   </dgm:styleLbl>
-  <dgm:styleLbl name="fgAccFollowNode1">
+  <dgm:styleLbl name="solidFgAcc1">
     <dgm:fillClrLst meth="repeat">
-      <a:schemeClr val="accent1">
-        <a:alpha val="90000"/>
-        <a:tint val="40000"/>
-      </a:schemeClr>
-    </dgm:fillClrLst>
-    <dgm:linClrLst meth="repeat">
-      <a:schemeClr val="accent1">
-        <a:alpha val="90000"/>
-        <a:tint val="40000"/>
-      </a:schemeClr>
-    </dgm:linClrLst>
-    <dgm:effectClrLst/>
-    <dgm:txLinClrLst/>
-    <dgm:txFillClrLst meth="repeat">
-      <a:schemeClr val="dk1"/>
-    </dgm:txFillClrLst>
-    <dgm:txEffectClrLst/>
-  </dgm:styleLbl>
-  <dgm:styleLbl name="alignAccFollowNode1">
-    <dgm:fillClrLst meth="repeat">
-      <a:schemeClr val="accent1">
-        <a:alpha val="90000"/>
-        <a:tint val="40000"/>
-      </a:schemeClr>
-    </dgm:fillClrLst>
-    <dgm:linClrLst meth="repeat">
-      <a:schemeClr val="accent1">
-        <a:alpha val="90000"/>
-        <a:tint val="40000"/>
-      </a:schemeClr>
-    </dgm:linClrLst>
-    <dgm:effectClrLst/>
-    <dgm:txLinClrLst/>
-    <dgm:txFillClrLst meth="repeat">
-      <a:schemeClr val="dk1"/>
-    </dgm:txFillClrLst>
-    <dgm:txEffectClrLst/>
-  </dgm:styleLbl>
-  <dgm:styleLbl name="bgAccFollowNode1">
-    <dgm:fillClrLst meth="repeat">
-      <a:schemeClr val="accent1">
-        <a:alpha val="90000"/>
-        <a:tint val="40000"/>
-      </a:schemeClr>
-    </dgm:fillClrLst>
-    <dgm:linClrLst meth="repeat">
-      <a:schemeClr val="accent1">
-        <a:alpha val="90000"/>
-        <a:tint val="40000"/>
-      </a:schemeClr>
-    </dgm:linClrLst>
-    <dgm:effectClrLst/>
-    <dgm:txLinClrLst/>
-    <dgm:txFillClrLst meth="repeat">
-      <a:schemeClr val="dk1"/>
-    </dgm:txFillClrLst>
-    <dgm:txEffectClrLst/>
-  </dgm:styleLbl>
-  <dgm:styleLbl name="fgAcc0">
-    <dgm:fillClrLst meth="repeat">
-      <a:schemeClr val="lt1">
-        <a:alpha val="90000"/>
-      </a:schemeClr>
+      <a:schemeClr val="lt1"/>
     </dgm:fillClrLst>
     <dgm:linClrLst meth="repeat">
       <a:schemeClr val="accent1"/>
@@ -764,10 +837,10 @@
     </dgm:txFillClrLst>
     <dgm:txEffectClrLst/>
   </dgm:styleLbl>
-  <dgm:styleLbl name="fgAcc2">
+  <dgm:styleLbl name="trAlignAcc1">
     <dgm:fillClrLst meth="repeat">
       <a:schemeClr val="lt1">
-        <a:alpha val="90000"/>
+        <a:alpha val="40000"/>
       </a:schemeClr>
     </dgm:fillClrLst>
     <dgm:linClrLst meth="repeat">
@@ -777,70 +850,6 @@
     <dgm:txLinClrLst/>
     <dgm:txFillClrLst meth="repeat">
       <a:schemeClr val="dk1"/>
-    </dgm:txFillClrLst>
-    <dgm:txEffectClrLst/>
-  </dgm:styleLbl>
-  <dgm:styleLbl name="fgAcc3">
-    <dgm:fillClrLst meth="repeat">
-      <a:schemeClr val="lt1">
-        <a:alpha val="90000"/>
-      </a:schemeClr>
-    </dgm:fillClrLst>
-    <dgm:linClrLst meth="repeat">
-      <a:schemeClr val="accent1"/>
-    </dgm:linClrLst>
-    <dgm:effectClrLst/>
-    <dgm:txLinClrLst/>
-    <dgm:txFillClrLst meth="repeat">
-      <a:schemeClr val="dk1"/>
-    </dgm:txFillClrLst>
-    <dgm:txEffectClrLst/>
-  </dgm:styleLbl>
-  <dgm:styleLbl name="fgAcc4">
-    <dgm:fillClrLst meth="repeat">
-      <a:schemeClr val="lt1">
-        <a:alpha val="90000"/>
-      </a:schemeClr>
-    </dgm:fillClrLst>
-    <dgm:linClrLst meth="repeat">
-      <a:schemeClr val="accent1"/>
-    </dgm:linClrLst>
-    <dgm:effectClrLst/>
-    <dgm:txLinClrLst/>
-    <dgm:txFillClrLst meth="repeat">
-      <a:schemeClr val="dk1"/>
-    </dgm:txFillClrLst>
-    <dgm:txEffectClrLst/>
-  </dgm:styleLbl>
-  <dgm:styleLbl name="bgShp">
-    <dgm:fillClrLst meth="repeat">
-      <a:schemeClr val="accent1">
-        <a:tint val="40000"/>
-      </a:schemeClr>
-    </dgm:fillClrLst>
-    <dgm:linClrLst meth="repeat">
-      <a:schemeClr val="accent1"/>
-    </dgm:linClrLst>
-    <dgm:effectClrLst/>
-    <dgm:txLinClrLst/>
-    <dgm:txFillClrLst meth="repeat">
-      <a:schemeClr val="dk1"/>
-    </dgm:txFillClrLst>
-    <dgm:txEffectClrLst/>
-  </dgm:styleLbl>
-  <dgm:styleLbl name="dkBgShp">
-    <dgm:fillClrLst meth="repeat">
-      <a:schemeClr val="accent1">
-        <a:shade val="80000"/>
-      </a:schemeClr>
-    </dgm:fillClrLst>
-    <dgm:linClrLst meth="repeat">
-      <a:schemeClr val="accent1"/>
-    </dgm:linClrLst>
-    <dgm:effectClrLst/>
-    <dgm:txLinClrLst/>
-    <dgm:txFillClrLst meth="repeat">
-      <a:schemeClr val="lt1"/>
     </dgm:txFillClrLst>
     <dgm:txEffectClrLst/>
   </dgm:styleLbl>
@@ -861,10 +870,10 @@
     </dgm:txFillClrLst>
     <dgm:txEffectClrLst/>
   </dgm:styleLbl>
-  <dgm:styleLbl name="fgShp">
+  <dgm:styleLbl name="vennNode1">
     <dgm:fillClrLst meth="repeat">
       <a:schemeClr val="accent1">
-        <a:tint val="60000"/>
+        <a:alpha val="50000"/>
       </a:schemeClr>
     </dgm:fillClrLst>
     <dgm:linClrLst meth="repeat">
@@ -872,27 +881,7 @@
     </dgm:linClrLst>
     <dgm:effectClrLst/>
     <dgm:txLinClrLst/>
-    <dgm:txFillClrLst meth="repeat">
-      <a:schemeClr val="dk1"/>
-    </dgm:txFillClrLst>
-    <dgm:txEffectClrLst/>
-  </dgm:styleLbl>
-  <dgm:styleLbl name="revTx">
-    <dgm:fillClrLst meth="repeat">
-      <a:schemeClr val="lt1">
-        <a:alpha val="0"/>
-      </a:schemeClr>
-    </dgm:fillClrLst>
-    <dgm:linClrLst meth="repeat">
-      <a:schemeClr val="dk1">
-        <a:alpha val="0"/>
-      </a:schemeClr>
-    </dgm:linClrLst>
-    <dgm:effectClrLst/>
-    <dgm:txLinClrLst/>
-    <dgm:txFillClrLst meth="repeat">
-      <a:schemeClr val="tx1"/>
-    </dgm:txFillClrLst>
+    <dgm:txFillClrLst/>
     <dgm:txEffectClrLst/>
   </dgm:styleLbl>
 </dgm:colorsDef>
@@ -924,7 +913,7 @@
         </a:p>
       </dgm:t>
     </dgm:pt>
-    <dgm:pt modelId="{5EE34607-FC50-46F5-B7B7-1BCF6F803FE7}" type="parTrans" cxnId="{CBEF27BF-7BE4-466F-A3D2-F247723A31D2}">
+    <dgm:pt modelId="{5EE34607-FC50-46F5-B7B7-1BCF6F803FE7}" cxnId="{CBEF27BF-7BE4-466F-A3D2-F247723A31D2}" type="parTrans">
       <dgm:prSet/>
       <dgm:spPr/>
       <dgm:t>
@@ -935,7 +924,7 @@
         </a:p>
       </dgm:t>
     </dgm:pt>
-    <dgm:pt modelId="{31DC5AE8-F43A-4ED2-A122-1F72AA402CDF}" type="sibTrans" cxnId="{CBEF27BF-7BE4-466F-A3D2-F247723A31D2}">
+    <dgm:pt modelId="{31DC5AE8-F43A-4ED2-A122-1F72AA402CDF}" cxnId="{CBEF27BF-7BE4-466F-A3D2-F247723A31D2}" type="sibTrans">
       <dgm:prSet/>
       <dgm:spPr/>
       <dgm:t>
@@ -969,7 +958,7 @@
         </a:p>
       </dgm:t>
     </dgm:pt>
-    <dgm:pt modelId="{309EC555-3648-490E-B8DC-1CB10127EF0C}" type="parTrans" cxnId="{097BAAC7-0026-4784-94E3-99416F0C046A}">
+    <dgm:pt modelId="{309EC555-3648-490E-B8DC-1CB10127EF0C}" cxnId="{097BAAC7-0026-4784-94E3-99416F0C046A}" type="parTrans">
       <dgm:prSet/>
       <dgm:spPr/>
       <dgm:t>
@@ -980,7 +969,7 @@
         </a:p>
       </dgm:t>
     </dgm:pt>
-    <dgm:pt modelId="{4B9D801B-C84F-4545-96F8-F38EFFA3ECF7}" type="sibTrans" cxnId="{097BAAC7-0026-4784-94E3-99416F0C046A}">
+    <dgm:pt modelId="{4B9D801B-C84F-4545-96F8-F38EFFA3ECF7}" cxnId="{097BAAC7-0026-4784-94E3-99416F0C046A}" type="sibTrans">
       <dgm:prSet/>
       <dgm:spPr/>
       <dgm:t>
@@ -1013,7 +1002,7 @@
         </a:p>
       </dgm:t>
     </dgm:pt>
-    <dgm:pt modelId="{3B121A49-A0C1-4333-BFEF-0820D85249DE}" type="parTrans" cxnId="{3C8E4620-718B-4EE1-AB31-9727691CD22C}">
+    <dgm:pt modelId="{3B121A49-A0C1-4333-BFEF-0820D85249DE}" cxnId="{3C8E4620-718B-4EE1-AB31-9727691CD22C}" type="parTrans">
       <dgm:prSet/>
       <dgm:spPr/>
       <dgm:t>
@@ -1024,7 +1013,7 @@
         </a:p>
       </dgm:t>
     </dgm:pt>
-    <dgm:pt modelId="{799AF0ED-8478-4561-95A6-0990850F9873}" type="sibTrans" cxnId="{3C8E4620-718B-4EE1-AB31-9727691CD22C}">
+    <dgm:pt modelId="{799AF0ED-8478-4561-95A6-0990850F9873}" cxnId="{3C8E4620-718B-4EE1-AB31-9727691CD22C}" type="sibTrans">
       <dgm:prSet/>
       <dgm:spPr/>
       <dgm:t>
@@ -1137,7 +1126,7 @@
   <dgm:whole/>
   <dgm:extLst>
     <a:ext uri="http://schemas.microsoft.com/office/drawing/2008/diagram">
-      <dsp:dataModelExt xmlns:dsp="http://schemas.microsoft.com/office/drawing/2008/diagram" relId="rId7" minVer="http://schemas.openxmlformats.org/drawingml/2006/diagram"/>
+      <dsp:dataModelExt xmlns:dsp="http://schemas.microsoft.com/office/drawing/2008/diagram" relId="rId5" minVer="http://schemas.openxmlformats.org/drawingml/2006/diagram"/>
     </a:ext>
   </dgm:extLst>
 </dgm:dataModel>
@@ -1425,24 +1414,24 @@
     <dgm:choose name="Name1">
       <dgm:if name="Name2" func="var" arg="dir" op="equ" val="norm">
         <dgm:alg type="pyra">
+          <dgm:param type="pyraLvlNode" val="level"/>
+          <dgm:param type="pyraAcctTxNode" val="acctTx"/>
+          <dgm:param type="pyraAcctBkgdNode" val="acctBkgd"/>
           <dgm:param type="linDir" val="fromB"/>
           <dgm:param type="txDir" val="fromT"/>
           <dgm:param type="pyraAcctPos" val="aft"/>
           <dgm:param type="pyraAcctTxMar" val="step"/>
-          <dgm:param type="pyraAcctBkgdNode" val="acctBkgd"/>
-          <dgm:param type="pyraAcctTxNode" val="acctTx"/>
-          <dgm:param type="pyraLvlNode" val="level"/>
         </dgm:alg>
       </dgm:if>
       <dgm:else name="Name3">
         <dgm:alg type="pyra">
+          <dgm:param type="pyraLvlNode" val="level"/>
+          <dgm:param type="pyraAcctTxNode" val="acctTx"/>
+          <dgm:param type="pyraAcctBkgdNode" val="acctBkgd"/>
           <dgm:param type="linDir" val="fromB"/>
           <dgm:param type="txDir" val="fromT"/>
           <dgm:param type="pyraAcctPos" val="bef"/>
           <dgm:param type="pyraAcctTxMar" val="step"/>
-          <dgm:param type="pyraAcctBkgdNode" val="acctBkgd"/>
-          <dgm:param type="pyraAcctTxNode" val="acctTx"/>
-          <dgm:param type="pyraLvlNode" val="level"/>
         </dgm:alg>
       </dgm:else>
     </dgm:choose>
@@ -1611,15 +1600,503 @@
     <a:camera prst="orthographicFront"/>
     <a:lightRig rig="threePt" dir="t"/>
   </dgm:scene3d>
-  <dgm:styleLbl name="node0">
+  <dgm:styleLbl name="alignAcc1">
     <dgm:scene3d>
       <a:camera prst="orthographicFront"/>
       <a:lightRig rig="threePt" dir="t"/>
     </dgm:scene3d>
-    <dgm:sp3d/>
     <dgm:txPr/>
     <dgm:style>
       <a:lnRef idx="2">
+        <a:scrgbClr r="0" g="0" b="0"/>
+      </a:lnRef>
+      <a:fillRef idx="1">
+        <a:scrgbClr r="0" g="0" b="0"/>
+      </a:fillRef>
+      <a:effectRef idx="0">
+        <a:scrgbClr r="0" g="0" b="0"/>
+      </a:effectRef>
+      <a:fontRef idx="minor"/>
+    </dgm:style>
+  </dgm:styleLbl>
+  <dgm:styleLbl name="alignAccFollowNode1">
+    <dgm:scene3d>
+      <a:camera prst="orthographicFront"/>
+      <a:lightRig rig="threePt" dir="t"/>
+    </dgm:scene3d>
+    <dgm:txPr/>
+    <dgm:style>
+      <a:lnRef idx="2">
+        <a:scrgbClr r="0" g="0" b="0"/>
+      </a:lnRef>
+      <a:fillRef idx="1">
+        <a:scrgbClr r="0" g="0" b="0"/>
+      </a:fillRef>
+      <a:effectRef idx="0">
+        <a:scrgbClr r="0" g="0" b="0"/>
+      </a:effectRef>
+      <a:fontRef idx="minor"/>
+    </dgm:style>
+  </dgm:styleLbl>
+  <dgm:styleLbl name="alignImgPlace1">
+    <dgm:scene3d>
+      <a:camera prst="orthographicFront"/>
+      <a:lightRig rig="threePt" dir="t"/>
+    </dgm:scene3d>
+    <dgm:txPr/>
+    <dgm:style>
+      <a:lnRef idx="2">
+        <a:scrgbClr r="0" g="0" b="0"/>
+      </a:lnRef>
+      <a:fillRef idx="1">
+        <a:scrgbClr r="0" g="0" b="0"/>
+      </a:fillRef>
+      <a:effectRef idx="0">
+        <a:scrgbClr r="0" g="0" b="0"/>
+      </a:effectRef>
+      <a:fontRef idx="minor"/>
+    </dgm:style>
+  </dgm:styleLbl>
+  <dgm:styleLbl name="alignNode1">
+    <dgm:scene3d>
+      <a:camera prst="orthographicFront"/>
+      <a:lightRig rig="threePt" dir="t"/>
+    </dgm:scene3d>
+    <dgm:txPr/>
+    <dgm:style>
+      <a:lnRef idx="2">
+        <a:scrgbClr r="0" g="0" b="0"/>
+      </a:lnRef>
+      <a:fillRef idx="1">
+        <a:scrgbClr r="0" g="0" b="0"/>
+      </a:fillRef>
+      <a:effectRef idx="0">
+        <a:scrgbClr r="0" g="0" b="0"/>
+      </a:effectRef>
+      <a:fontRef idx="minor">
+        <a:schemeClr val="lt1"/>
+      </a:fontRef>
+    </dgm:style>
+  </dgm:styleLbl>
+  <dgm:styleLbl name="asst0">
+    <dgm:scene3d>
+      <a:camera prst="orthographicFront"/>
+      <a:lightRig rig="threePt" dir="t"/>
+    </dgm:scene3d>
+    <dgm:txPr/>
+    <dgm:style>
+      <a:lnRef idx="2">
+        <a:scrgbClr r="0" g="0" b="0"/>
+      </a:lnRef>
+      <a:fillRef idx="1">
+        <a:scrgbClr r="0" g="0" b="0"/>
+      </a:fillRef>
+      <a:effectRef idx="0">
+        <a:scrgbClr r="0" g="0" b="0"/>
+      </a:effectRef>
+      <a:fontRef idx="minor">
+        <a:schemeClr val="lt1"/>
+      </a:fontRef>
+    </dgm:style>
+  </dgm:styleLbl>
+  <dgm:styleLbl name="asst1">
+    <dgm:scene3d>
+      <a:camera prst="orthographicFront"/>
+      <a:lightRig rig="threePt" dir="t"/>
+    </dgm:scene3d>
+    <dgm:txPr/>
+    <dgm:style>
+      <a:lnRef idx="2">
+        <a:scrgbClr r="0" g="0" b="0"/>
+      </a:lnRef>
+      <a:fillRef idx="1">
+        <a:scrgbClr r="0" g="0" b="0"/>
+      </a:fillRef>
+      <a:effectRef idx="0">
+        <a:scrgbClr r="0" g="0" b="0"/>
+      </a:effectRef>
+      <a:fontRef idx="minor">
+        <a:schemeClr val="lt1"/>
+      </a:fontRef>
+    </dgm:style>
+  </dgm:styleLbl>
+  <dgm:styleLbl name="asst2">
+    <dgm:scene3d>
+      <a:camera prst="orthographicFront"/>
+      <a:lightRig rig="threePt" dir="t"/>
+    </dgm:scene3d>
+    <dgm:txPr/>
+    <dgm:style>
+      <a:lnRef idx="2">
+        <a:scrgbClr r="0" g="0" b="0"/>
+      </a:lnRef>
+      <a:fillRef idx="1">
+        <a:scrgbClr r="0" g="0" b="0"/>
+      </a:fillRef>
+      <a:effectRef idx="0">
+        <a:scrgbClr r="0" g="0" b="0"/>
+      </a:effectRef>
+      <a:fontRef idx="minor">
+        <a:schemeClr val="lt1"/>
+      </a:fontRef>
+    </dgm:style>
+  </dgm:styleLbl>
+  <dgm:styleLbl name="asst3">
+    <dgm:scene3d>
+      <a:camera prst="orthographicFront"/>
+      <a:lightRig rig="threePt" dir="t"/>
+    </dgm:scene3d>
+    <dgm:txPr/>
+    <dgm:style>
+      <a:lnRef idx="2">
+        <a:scrgbClr r="0" g="0" b="0"/>
+      </a:lnRef>
+      <a:fillRef idx="1">
+        <a:scrgbClr r="0" g="0" b="0"/>
+      </a:fillRef>
+      <a:effectRef idx="0">
+        <a:scrgbClr r="0" g="0" b="0"/>
+      </a:effectRef>
+      <a:fontRef idx="minor">
+        <a:schemeClr val="lt1"/>
+      </a:fontRef>
+    </dgm:style>
+  </dgm:styleLbl>
+  <dgm:styleLbl name="asst4">
+    <dgm:scene3d>
+      <a:camera prst="orthographicFront"/>
+      <a:lightRig rig="threePt" dir="t"/>
+    </dgm:scene3d>
+    <dgm:txPr/>
+    <dgm:style>
+      <a:lnRef idx="2">
+        <a:scrgbClr r="0" g="0" b="0"/>
+      </a:lnRef>
+      <a:fillRef idx="1">
+        <a:scrgbClr r="0" g="0" b="0"/>
+      </a:fillRef>
+      <a:effectRef idx="0">
+        <a:scrgbClr r="0" g="0" b="0"/>
+      </a:effectRef>
+      <a:fontRef idx="minor">
+        <a:schemeClr val="lt1"/>
+      </a:fontRef>
+    </dgm:style>
+  </dgm:styleLbl>
+  <dgm:styleLbl name="bgAcc1">
+    <dgm:scene3d>
+      <a:camera prst="orthographicFront"/>
+      <a:lightRig rig="threePt" dir="t"/>
+    </dgm:scene3d>
+    <dgm:txPr/>
+    <dgm:style>
+      <a:lnRef idx="2">
+        <a:scrgbClr r="0" g="0" b="0"/>
+      </a:lnRef>
+      <a:fillRef idx="1">
+        <a:scrgbClr r="0" g="0" b="0"/>
+      </a:fillRef>
+      <a:effectRef idx="0">
+        <a:scrgbClr r="0" g="0" b="0"/>
+      </a:effectRef>
+      <a:fontRef idx="minor"/>
+    </dgm:style>
+  </dgm:styleLbl>
+  <dgm:styleLbl name="bgAccFollowNode1">
+    <dgm:scene3d>
+      <a:camera prst="orthographicFront"/>
+      <a:lightRig rig="threePt" dir="t"/>
+    </dgm:scene3d>
+    <dgm:txPr/>
+    <dgm:style>
+      <a:lnRef idx="2">
+        <a:scrgbClr r="0" g="0" b="0"/>
+      </a:lnRef>
+      <a:fillRef idx="1">
+        <a:scrgbClr r="0" g="0" b="0"/>
+      </a:fillRef>
+      <a:effectRef idx="0">
+        <a:scrgbClr r="0" g="0" b="0"/>
+      </a:effectRef>
+      <a:fontRef idx="minor"/>
+    </dgm:style>
+  </dgm:styleLbl>
+  <dgm:styleLbl name="bgImgPlace1">
+    <dgm:scene3d>
+      <a:camera prst="orthographicFront"/>
+      <a:lightRig rig="threePt" dir="t"/>
+    </dgm:scene3d>
+    <dgm:txPr/>
+    <dgm:style>
+      <a:lnRef idx="2">
+        <a:scrgbClr r="0" g="0" b="0"/>
+      </a:lnRef>
+      <a:fillRef idx="1">
+        <a:scrgbClr r="0" g="0" b="0"/>
+      </a:fillRef>
+      <a:effectRef idx="0">
+        <a:scrgbClr r="0" g="0" b="0"/>
+      </a:effectRef>
+      <a:fontRef idx="minor"/>
+    </dgm:style>
+  </dgm:styleLbl>
+  <dgm:styleLbl name="bgShp">
+    <dgm:scene3d>
+      <a:camera prst="orthographicFront"/>
+      <a:lightRig rig="threePt" dir="t"/>
+    </dgm:scene3d>
+    <dgm:txPr/>
+    <dgm:style>
+      <a:lnRef idx="0">
+        <a:scrgbClr r="0" g="0" b="0"/>
+      </a:lnRef>
+      <a:fillRef idx="1">
+        <a:scrgbClr r="0" g="0" b="0"/>
+      </a:fillRef>
+      <a:effectRef idx="0">
+        <a:scrgbClr r="0" g="0" b="0"/>
+      </a:effectRef>
+      <a:fontRef idx="minor"/>
+    </dgm:style>
+  </dgm:styleLbl>
+  <dgm:styleLbl name="bgSibTrans2D1">
+    <dgm:scene3d>
+      <a:camera prst="orthographicFront"/>
+      <a:lightRig rig="threePt" dir="t"/>
+    </dgm:scene3d>
+    <dgm:txPr/>
+    <dgm:style>
+      <a:lnRef idx="0">
+        <a:scrgbClr r="0" g="0" b="0"/>
+      </a:lnRef>
+      <a:fillRef idx="1">
+        <a:scrgbClr r="0" g="0" b="0"/>
+      </a:fillRef>
+      <a:effectRef idx="0">
+        <a:scrgbClr r="0" g="0" b="0"/>
+      </a:effectRef>
+      <a:fontRef idx="minor">
+        <a:schemeClr val="lt1"/>
+      </a:fontRef>
+    </dgm:style>
+  </dgm:styleLbl>
+  <dgm:styleLbl name="callout">
+    <dgm:scene3d>
+      <a:camera prst="orthographicFront"/>
+      <a:lightRig rig="threePt" dir="t"/>
+    </dgm:scene3d>
+    <dgm:txPr/>
+    <dgm:style>
+      <a:lnRef idx="2">
+        <a:scrgbClr r="0" g="0" b="0"/>
+      </a:lnRef>
+      <a:fillRef idx="1">
+        <a:scrgbClr r="0" g="0" b="0"/>
+      </a:fillRef>
+      <a:effectRef idx="0">
+        <a:scrgbClr r="0" g="0" b="0"/>
+      </a:effectRef>
+      <a:fontRef idx="minor"/>
+    </dgm:style>
+  </dgm:styleLbl>
+  <dgm:styleLbl name="conFgAcc1">
+    <dgm:scene3d>
+      <a:camera prst="orthographicFront"/>
+      <a:lightRig rig="threePt" dir="t"/>
+    </dgm:scene3d>
+    <dgm:txPr/>
+    <dgm:style>
+      <a:lnRef idx="2">
+        <a:scrgbClr r="0" g="0" b="0"/>
+      </a:lnRef>
+      <a:fillRef idx="1">
+        <a:scrgbClr r="0" g="0" b="0"/>
+      </a:fillRef>
+      <a:effectRef idx="0">
+        <a:scrgbClr r="0" g="0" b="0"/>
+      </a:effectRef>
+      <a:fontRef idx="minor"/>
+    </dgm:style>
+  </dgm:styleLbl>
+  <dgm:styleLbl name="dkBgShp">
+    <dgm:scene3d>
+      <a:camera prst="orthographicFront"/>
+      <a:lightRig rig="threePt" dir="t"/>
+    </dgm:scene3d>
+    <dgm:txPr/>
+    <dgm:style>
+      <a:lnRef idx="0">
+        <a:scrgbClr r="0" g="0" b="0"/>
+      </a:lnRef>
+      <a:fillRef idx="1">
+        <a:scrgbClr r="0" g="0" b="0"/>
+      </a:fillRef>
+      <a:effectRef idx="0">
+        <a:scrgbClr r="0" g="0" b="0"/>
+      </a:effectRef>
+      <a:fontRef idx="minor"/>
+    </dgm:style>
+  </dgm:styleLbl>
+  <dgm:styleLbl name="fgAcc0">
+    <dgm:scene3d>
+      <a:camera prst="orthographicFront"/>
+      <a:lightRig rig="threePt" dir="t"/>
+    </dgm:scene3d>
+    <dgm:txPr/>
+    <dgm:style>
+      <a:lnRef idx="2">
+        <a:scrgbClr r="0" g="0" b="0"/>
+      </a:lnRef>
+      <a:fillRef idx="1">
+        <a:scrgbClr r="0" g="0" b="0"/>
+      </a:fillRef>
+      <a:effectRef idx="0">
+        <a:scrgbClr r="0" g="0" b="0"/>
+      </a:effectRef>
+      <a:fontRef idx="minor"/>
+    </dgm:style>
+  </dgm:styleLbl>
+  <dgm:styleLbl name="fgAcc1">
+    <dgm:scene3d>
+      <a:camera prst="orthographicFront"/>
+      <a:lightRig rig="threePt" dir="t"/>
+    </dgm:scene3d>
+    <dgm:txPr/>
+    <dgm:style>
+      <a:lnRef idx="2">
+        <a:scrgbClr r="0" g="0" b="0"/>
+      </a:lnRef>
+      <a:fillRef idx="1">
+        <a:scrgbClr r="0" g="0" b="0"/>
+      </a:fillRef>
+      <a:effectRef idx="0">
+        <a:scrgbClr r="0" g="0" b="0"/>
+      </a:effectRef>
+      <a:fontRef idx="minor"/>
+    </dgm:style>
+  </dgm:styleLbl>
+  <dgm:styleLbl name="fgAcc2">
+    <dgm:scene3d>
+      <a:camera prst="orthographicFront"/>
+      <a:lightRig rig="threePt" dir="t"/>
+    </dgm:scene3d>
+    <dgm:txPr/>
+    <dgm:style>
+      <a:lnRef idx="2">
+        <a:scrgbClr r="0" g="0" b="0"/>
+      </a:lnRef>
+      <a:fillRef idx="1">
+        <a:scrgbClr r="0" g="0" b="0"/>
+      </a:fillRef>
+      <a:effectRef idx="0">
+        <a:scrgbClr r="0" g="0" b="0"/>
+      </a:effectRef>
+      <a:fontRef idx="minor"/>
+    </dgm:style>
+  </dgm:styleLbl>
+  <dgm:styleLbl name="fgAcc3">
+    <dgm:scene3d>
+      <a:camera prst="orthographicFront"/>
+      <a:lightRig rig="threePt" dir="t"/>
+    </dgm:scene3d>
+    <dgm:txPr/>
+    <dgm:style>
+      <a:lnRef idx="2">
+        <a:scrgbClr r="0" g="0" b="0"/>
+      </a:lnRef>
+      <a:fillRef idx="1">
+        <a:scrgbClr r="0" g="0" b="0"/>
+      </a:fillRef>
+      <a:effectRef idx="0">
+        <a:scrgbClr r="0" g="0" b="0"/>
+      </a:effectRef>
+      <a:fontRef idx="minor"/>
+    </dgm:style>
+  </dgm:styleLbl>
+  <dgm:styleLbl name="fgAcc4">
+    <dgm:scene3d>
+      <a:camera prst="orthographicFront"/>
+      <a:lightRig rig="threePt" dir="t"/>
+    </dgm:scene3d>
+    <dgm:txPr/>
+    <dgm:style>
+      <a:lnRef idx="2">
+        <a:scrgbClr r="0" g="0" b="0"/>
+      </a:lnRef>
+      <a:fillRef idx="1">
+        <a:scrgbClr r="0" g="0" b="0"/>
+      </a:fillRef>
+      <a:effectRef idx="0">
+        <a:scrgbClr r="0" g="0" b="0"/>
+      </a:effectRef>
+      <a:fontRef idx="minor"/>
+    </dgm:style>
+  </dgm:styleLbl>
+  <dgm:styleLbl name="fgAccFollowNode1">
+    <dgm:scene3d>
+      <a:camera prst="orthographicFront"/>
+      <a:lightRig rig="threePt" dir="t"/>
+    </dgm:scene3d>
+    <dgm:txPr/>
+    <dgm:style>
+      <a:lnRef idx="2">
+        <a:scrgbClr r="0" g="0" b="0"/>
+      </a:lnRef>
+      <a:fillRef idx="1">
+        <a:scrgbClr r="0" g="0" b="0"/>
+      </a:fillRef>
+      <a:effectRef idx="0">
+        <a:scrgbClr r="0" g="0" b="0"/>
+      </a:effectRef>
+      <a:fontRef idx="minor"/>
+    </dgm:style>
+  </dgm:styleLbl>
+  <dgm:styleLbl name="fgImgPlace1">
+    <dgm:scene3d>
+      <a:camera prst="orthographicFront"/>
+      <a:lightRig rig="threePt" dir="t"/>
+    </dgm:scene3d>
+    <dgm:txPr/>
+    <dgm:style>
+      <a:lnRef idx="2">
+        <a:scrgbClr r="0" g="0" b="0"/>
+      </a:lnRef>
+      <a:fillRef idx="1">
+        <a:scrgbClr r="0" g="0" b="0"/>
+      </a:fillRef>
+      <a:effectRef idx="0">
+        <a:scrgbClr r="0" g="0" b="0"/>
+      </a:effectRef>
+      <a:fontRef idx="minor"/>
+    </dgm:style>
+  </dgm:styleLbl>
+  <dgm:styleLbl name="fgShp">
+    <dgm:scene3d>
+      <a:camera prst="orthographicFront"/>
+      <a:lightRig rig="threePt" dir="t"/>
+    </dgm:scene3d>
+    <dgm:txPr/>
+    <dgm:style>
+      <a:lnRef idx="2">
+        <a:scrgbClr r="0" g="0" b="0"/>
+      </a:lnRef>
+      <a:fillRef idx="1">
+        <a:scrgbClr r="0" g="0" b="0"/>
+      </a:fillRef>
+      <a:effectRef idx="0">
+        <a:scrgbClr r="0" g="0" b="0"/>
+      </a:effectRef>
+      <a:fontRef idx="minor"/>
+    </dgm:style>
+  </dgm:styleLbl>
+  <dgm:styleLbl name="fgSibTrans2D1">
+    <dgm:scene3d>
+      <a:camera prst="orthographicFront"/>
+      <a:lightRig rig="threePt" dir="t"/>
+    </dgm:scene3d>
+    <dgm:txPr/>
+    <dgm:style>
+      <a:lnRef idx="0">
         <a:scrgbClr r="0" g="0" b="0"/>
       </a:lnRef>
       <a:fillRef idx="1">
@@ -1638,7 +2115,6 @@
       <a:camera prst="orthographicFront"/>
       <a:lightRig rig="threePt" dir="t"/>
     </dgm:scene3d>
-    <dgm:sp3d/>
     <dgm:txPr/>
     <dgm:style>
       <a:lnRef idx="2">
@@ -1655,34 +2131,11 @@
       </a:fontRef>
     </dgm:style>
   </dgm:styleLbl>
-  <dgm:styleLbl name="vennNode1">
+  <dgm:styleLbl name="node0">
     <dgm:scene3d>
       <a:camera prst="orthographicFront"/>
       <a:lightRig rig="threePt" dir="t"/>
     </dgm:scene3d>
-    <dgm:sp3d/>
-    <dgm:txPr/>
-    <dgm:style>
-      <a:lnRef idx="2">
-        <a:scrgbClr r="0" g="0" b="0"/>
-      </a:lnRef>
-      <a:fillRef idx="1">
-        <a:scrgbClr r="0" g="0" b="0"/>
-      </a:fillRef>
-      <a:effectRef idx="0">
-        <a:scrgbClr r="0" g="0" b="0"/>
-      </a:effectRef>
-      <a:fontRef idx="minor">
-        <a:schemeClr val="tx1"/>
-      </a:fontRef>
-    </dgm:style>
-  </dgm:styleLbl>
-  <dgm:styleLbl name="alignNode1">
-    <dgm:scene3d>
-      <a:camera prst="orthographicFront"/>
-      <a:lightRig rig="threePt" dir="t"/>
-    </dgm:scene3d>
-    <dgm:sp3d/>
     <dgm:txPr/>
     <dgm:style>
       <a:lnRef idx="2">
@@ -1704,7 +2157,6 @@
       <a:camera prst="orthographicFront"/>
       <a:lightRig rig="threePt" dir="t"/>
     </dgm:scene3d>
-    <dgm:sp3d/>
     <dgm:txPr/>
     <dgm:style>
       <a:lnRef idx="2">
@@ -1726,7 +2178,6 @@
       <a:camera prst="orthographicFront"/>
       <a:lightRig rig="threePt" dir="t"/>
     </dgm:scene3d>
-    <dgm:sp3d/>
     <dgm:txPr/>
     <dgm:style>
       <a:lnRef idx="2">
@@ -1748,7 +2199,6 @@
       <a:camera prst="orthographicFront"/>
       <a:lightRig rig="threePt" dir="t"/>
     </dgm:scene3d>
-    <dgm:sp3d/>
     <dgm:txPr/>
     <dgm:style>
       <a:lnRef idx="2">
@@ -1770,7 +2220,6 @@
       <a:camera prst="orthographicFront"/>
       <a:lightRig rig="threePt" dir="t"/>
     </dgm:scene3d>
-    <dgm:sp3d/>
     <dgm:txPr/>
     <dgm:style>
       <a:lnRef idx="2">
@@ -1787,141 +2236,14 @@
       </a:fontRef>
     </dgm:style>
   </dgm:styleLbl>
-  <dgm:styleLbl name="fgImgPlace1">
+  <dgm:styleLbl name="parChTrans1D1">
     <dgm:scene3d>
       <a:camera prst="orthographicFront"/>
       <a:lightRig rig="threePt" dir="t"/>
     </dgm:scene3d>
-    <dgm:sp3d/>
     <dgm:txPr/>
     <dgm:style>
       <a:lnRef idx="2">
-        <a:scrgbClr r="0" g="0" b="0"/>
-      </a:lnRef>
-      <a:fillRef idx="1">
-        <a:scrgbClr r="0" g="0" b="0"/>
-      </a:fillRef>
-      <a:effectRef idx="0">
-        <a:scrgbClr r="0" g="0" b="0"/>
-      </a:effectRef>
-      <a:fontRef idx="minor"/>
-    </dgm:style>
-  </dgm:styleLbl>
-  <dgm:styleLbl name="alignImgPlace1">
-    <dgm:scene3d>
-      <a:camera prst="orthographicFront"/>
-      <a:lightRig rig="threePt" dir="t"/>
-    </dgm:scene3d>
-    <dgm:sp3d/>
-    <dgm:txPr/>
-    <dgm:style>
-      <a:lnRef idx="2">
-        <a:scrgbClr r="0" g="0" b="0"/>
-      </a:lnRef>
-      <a:fillRef idx="1">
-        <a:scrgbClr r="0" g="0" b="0"/>
-      </a:fillRef>
-      <a:effectRef idx="0">
-        <a:scrgbClr r="0" g="0" b="0"/>
-      </a:effectRef>
-      <a:fontRef idx="minor"/>
-    </dgm:style>
-  </dgm:styleLbl>
-  <dgm:styleLbl name="bgImgPlace1">
-    <dgm:scene3d>
-      <a:camera prst="orthographicFront"/>
-      <a:lightRig rig="threePt" dir="t"/>
-    </dgm:scene3d>
-    <dgm:sp3d/>
-    <dgm:txPr/>
-    <dgm:style>
-      <a:lnRef idx="2">
-        <a:scrgbClr r="0" g="0" b="0"/>
-      </a:lnRef>
-      <a:fillRef idx="1">
-        <a:scrgbClr r="0" g="0" b="0"/>
-      </a:fillRef>
-      <a:effectRef idx="0">
-        <a:scrgbClr r="0" g="0" b="0"/>
-      </a:effectRef>
-      <a:fontRef idx="minor"/>
-    </dgm:style>
-  </dgm:styleLbl>
-  <dgm:styleLbl name="sibTrans2D1">
-    <dgm:scene3d>
-      <a:camera prst="orthographicFront"/>
-      <a:lightRig rig="threePt" dir="t"/>
-    </dgm:scene3d>
-    <dgm:sp3d/>
-    <dgm:txPr/>
-    <dgm:style>
-      <a:lnRef idx="0">
-        <a:scrgbClr r="0" g="0" b="0"/>
-      </a:lnRef>
-      <a:fillRef idx="1">
-        <a:scrgbClr r="0" g="0" b="0"/>
-      </a:fillRef>
-      <a:effectRef idx="0">
-        <a:scrgbClr r="0" g="0" b="0"/>
-      </a:effectRef>
-      <a:fontRef idx="minor">
-        <a:schemeClr val="lt1"/>
-      </a:fontRef>
-    </dgm:style>
-  </dgm:styleLbl>
-  <dgm:styleLbl name="fgSibTrans2D1">
-    <dgm:scene3d>
-      <a:camera prst="orthographicFront"/>
-      <a:lightRig rig="threePt" dir="t"/>
-    </dgm:scene3d>
-    <dgm:sp3d/>
-    <dgm:txPr/>
-    <dgm:style>
-      <a:lnRef idx="0">
-        <a:scrgbClr r="0" g="0" b="0"/>
-      </a:lnRef>
-      <a:fillRef idx="1">
-        <a:scrgbClr r="0" g="0" b="0"/>
-      </a:fillRef>
-      <a:effectRef idx="0">
-        <a:scrgbClr r="0" g="0" b="0"/>
-      </a:effectRef>
-      <a:fontRef idx="minor">
-        <a:schemeClr val="lt1"/>
-      </a:fontRef>
-    </dgm:style>
-  </dgm:styleLbl>
-  <dgm:styleLbl name="bgSibTrans2D1">
-    <dgm:scene3d>
-      <a:camera prst="orthographicFront"/>
-      <a:lightRig rig="threePt" dir="t"/>
-    </dgm:scene3d>
-    <dgm:sp3d/>
-    <dgm:txPr/>
-    <dgm:style>
-      <a:lnRef idx="0">
-        <a:scrgbClr r="0" g="0" b="0"/>
-      </a:lnRef>
-      <a:fillRef idx="1">
-        <a:scrgbClr r="0" g="0" b="0"/>
-      </a:fillRef>
-      <a:effectRef idx="0">
-        <a:scrgbClr r="0" g="0" b="0"/>
-      </a:effectRef>
-      <a:fontRef idx="minor">
-        <a:schemeClr val="lt1"/>
-      </a:fontRef>
-    </dgm:style>
-  </dgm:styleLbl>
-  <dgm:styleLbl name="sibTrans1D1">
-    <dgm:scene3d>
-      <a:camera prst="orthographicFront"/>
-      <a:lightRig rig="threePt" dir="t"/>
-    </dgm:scene3d>
-    <dgm:sp3d/>
-    <dgm:txPr/>
-    <dgm:style>
-      <a:lnRef idx="1">
         <a:scrgbClr r="0" g="0" b="0"/>
       </a:lnRef>
       <a:fillRef idx="0">
@@ -1933,18 +2255,17 @@
       <a:fontRef idx="minor"/>
     </dgm:style>
   </dgm:styleLbl>
-  <dgm:styleLbl name="callout">
+  <dgm:styleLbl name="parChTrans1D2">
     <dgm:scene3d>
       <a:camera prst="orthographicFront"/>
       <a:lightRig rig="threePt" dir="t"/>
     </dgm:scene3d>
-    <dgm:sp3d/>
     <dgm:txPr/>
     <dgm:style>
       <a:lnRef idx="2">
         <a:scrgbClr r="0" g="0" b="0"/>
       </a:lnRef>
-      <a:fillRef idx="1">
+      <a:fillRef idx="0">
         <a:scrgbClr r="0" g="0" b="0"/>
       </a:fillRef>
       <a:effectRef idx="0">
@@ -1953,114 +2274,42 @@
       <a:fontRef idx="minor"/>
     </dgm:style>
   </dgm:styleLbl>
-  <dgm:styleLbl name="asst0">
+  <dgm:styleLbl name="parChTrans1D3">
     <dgm:scene3d>
       <a:camera prst="orthographicFront"/>
       <a:lightRig rig="threePt" dir="t"/>
     </dgm:scene3d>
-    <dgm:sp3d/>
     <dgm:txPr/>
     <dgm:style>
       <a:lnRef idx="2">
         <a:scrgbClr r="0" g="0" b="0"/>
       </a:lnRef>
-      <a:fillRef idx="1">
+      <a:fillRef idx="0">
         <a:scrgbClr r="0" g="0" b="0"/>
       </a:fillRef>
       <a:effectRef idx="0">
         <a:scrgbClr r="0" g="0" b="0"/>
       </a:effectRef>
-      <a:fontRef idx="minor">
-        <a:schemeClr val="lt1"/>
-      </a:fontRef>
+      <a:fontRef idx="minor"/>
     </dgm:style>
   </dgm:styleLbl>
-  <dgm:styleLbl name="asst1">
+  <dgm:styleLbl name="parChTrans1D4">
     <dgm:scene3d>
       <a:camera prst="orthographicFront"/>
       <a:lightRig rig="threePt" dir="t"/>
     </dgm:scene3d>
-    <dgm:sp3d/>
     <dgm:txPr/>
     <dgm:style>
       <a:lnRef idx="2">
         <a:scrgbClr r="0" g="0" b="0"/>
       </a:lnRef>
-      <a:fillRef idx="1">
+      <a:fillRef idx="0">
         <a:scrgbClr r="0" g="0" b="0"/>
       </a:fillRef>
       <a:effectRef idx="0">
         <a:scrgbClr r="0" g="0" b="0"/>
       </a:effectRef>
-      <a:fontRef idx="minor">
-        <a:schemeClr val="lt1"/>
-      </a:fontRef>
-    </dgm:style>
-  </dgm:styleLbl>
-  <dgm:styleLbl name="asst2">
-    <dgm:scene3d>
-      <a:camera prst="orthographicFront"/>
-      <a:lightRig rig="threePt" dir="t"/>
-    </dgm:scene3d>
-    <dgm:sp3d/>
-    <dgm:txPr/>
-    <dgm:style>
-      <a:lnRef idx="2">
-        <a:scrgbClr r="0" g="0" b="0"/>
-      </a:lnRef>
-      <a:fillRef idx="1">
-        <a:scrgbClr r="0" g="0" b="0"/>
-      </a:fillRef>
-      <a:effectRef idx="0">
-        <a:scrgbClr r="0" g="0" b="0"/>
-      </a:effectRef>
-      <a:fontRef idx="minor">
-        <a:schemeClr val="lt1"/>
-      </a:fontRef>
-    </dgm:style>
-  </dgm:styleLbl>
-  <dgm:styleLbl name="asst3">
-    <dgm:scene3d>
-      <a:camera prst="orthographicFront"/>
-      <a:lightRig rig="threePt" dir="t"/>
-    </dgm:scene3d>
-    <dgm:sp3d/>
-    <dgm:txPr/>
-    <dgm:style>
-      <a:lnRef idx="2">
-        <a:scrgbClr r="0" g="0" b="0"/>
-      </a:lnRef>
-      <a:fillRef idx="1">
-        <a:scrgbClr r="0" g="0" b="0"/>
-      </a:fillRef>
-      <a:effectRef idx="0">
-        <a:scrgbClr r="0" g="0" b="0"/>
-      </a:effectRef>
-      <a:fontRef idx="minor">
-        <a:schemeClr val="lt1"/>
-      </a:fontRef>
-    </dgm:style>
-  </dgm:styleLbl>
-  <dgm:styleLbl name="asst4">
-    <dgm:scene3d>
-      <a:camera prst="orthographicFront"/>
-      <a:lightRig rig="threePt" dir="t"/>
-    </dgm:scene3d>
-    <dgm:sp3d/>
-    <dgm:txPr/>
-    <dgm:style>
-      <a:lnRef idx="2">
-        <a:scrgbClr r="0" g="0" b="0"/>
-      </a:lnRef>
-      <a:fillRef idx="1">
-        <a:scrgbClr r="0" g="0" b="0"/>
-      </a:fillRef>
-      <a:effectRef idx="0">
-        <a:scrgbClr r="0" g="0" b="0"/>
-      </a:effectRef>
-      <a:fontRef idx="minor">
-        <a:schemeClr val="lt1"/>
-      </a:fontRef>
+      <a:fontRef idx="minor"/>
     </dgm:style>
   </dgm:styleLbl>
   <dgm:styleLbl name="parChTrans2D1">
@@ -2068,7 +2317,6 @@
       <a:camera prst="orthographicFront"/>
       <a:lightRig rig="threePt" dir="t"/>
     </dgm:scene3d>
-    <dgm:sp3d/>
     <dgm:txPr/>
     <dgm:style>
       <a:lnRef idx="2">
@@ -2090,7 +2338,6 @@
       <a:camera prst="orthographicFront"/>
       <a:lightRig rig="threePt" dir="t"/>
     </dgm:scene3d>
-    <dgm:sp3d/>
     <dgm:txPr/>
     <dgm:style>
       <a:lnRef idx="2">
@@ -2112,7 +2359,6 @@
       <a:camera prst="orthographicFront"/>
       <a:lightRig rig="threePt" dir="t"/>
     </dgm:scene3d>
-    <dgm:sp3d/>
     <dgm:txPr/>
     <dgm:style>
       <a:lnRef idx="2">
@@ -2134,7 +2380,6 @@
       <a:camera prst="orthographicFront"/>
       <a:lightRig rig="threePt" dir="t"/>
     </dgm:scene3d>
-    <dgm:sp3d/>
     <dgm:txPr/>
     <dgm:style>
       <a:lnRef idx="2">
@@ -2151,15 +2396,14 @@
       </a:fontRef>
     </dgm:style>
   </dgm:styleLbl>
-  <dgm:styleLbl name="parChTrans1D1">
+  <dgm:styleLbl name="revTx">
     <dgm:scene3d>
       <a:camera prst="orthographicFront"/>
       <a:lightRig rig="threePt" dir="t"/>
     </dgm:scene3d>
-    <dgm:sp3d/>
     <dgm:txPr/>
     <dgm:style>
-      <a:lnRef idx="2">
+      <a:lnRef idx="0">
         <a:scrgbClr r="0" g="0" b="0"/>
       </a:lnRef>
       <a:fillRef idx="0">
@@ -2171,15 +2415,14 @@
       <a:fontRef idx="minor"/>
     </dgm:style>
   </dgm:styleLbl>
-  <dgm:styleLbl name="parChTrans1D2">
+  <dgm:styleLbl name="sibTrans1D1">
     <dgm:scene3d>
       <a:camera prst="orthographicFront"/>
       <a:lightRig rig="threePt" dir="t"/>
     </dgm:scene3d>
-    <dgm:sp3d/>
     <dgm:txPr/>
     <dgm:style>
-      <a:lnRef idx="2">
+      <a:lnRef idx="1">
         <a:scrgbClr r="0" g="0" b="0"/>
       </a:lnRef>
       <a:fillRef idx="0">
@@ -2191,52 +2434,32 @@
       <a:fontRef idx="minor"/>
     </dgm:style>
   </dgm:styleLbl>
-  <dgm:styleLbl name="parChTrans1D3">
+  <dgm:styleLbl name="sibTrans2D1">
     <dgm:scene3d>
       <a:camera prst="orthographicFront"/>
       <a:lightRig rig="threePt" dir="t"/>
     </dgm:scene3d>
-    <dgm:sp3d/>
     <dgm:txPr/>
     <dgm:style>
-      <a:lnRef idx="2">
+      <a:lnRef idx="0">
         <a:scrgbClr r="0" g="0" b="0"/>
       </a:lnRef>
-      <a:fillRef idx="0">
+      <a:fillRef idx="1">
         <a:scrgbClr r="0" g="0" b="0"/>
       </a:fillRef>
       <a:effectRef idx="0">
         <a:scrgbClr r="0" g="0" b="0"/>
       </a:effectRef>
-      <a:fontRef idx="minor"/>
+      <a:fontRef idx="minor">
+        <a:schemeClr val="lt1"/>
+      </a:fontRef>
     </dgm:style>
   </dgm:styleLbl>
-  <dgm:styleLbl name="parChTrans1D4">
+  <dgm:styleLbl name="solidAlignAcc1">
     <dgm:scene3d>
       <a:camera prst="orthographicFront"/>
       <a:lightRig rig="threePt" dir="t"/>
     </dgm:scene3d>
-    <dgm:sp3d/>
-    <dgm:txPr/>
-    <dgm:style>
-      <a:lnRef idx="2">
-        <a:scrgbClr r="0" g="0" b="0"/>
-      </a:lnRef>
-      <a:fillRef idx="0">
-        <a:scrgbClr r="0" g="0" b="0"/>
-      </a:fillRef>
-      <a:effectRef idx="0">
-        <a:scrgbClr r="0" g="0" b="0"/>
-      </a:effectRef>
-      <a:fontRef idx="minor"/>
-    </dgm:style>
-  </dgm:styleLbl>
-  <dgm:styleLbl name="fgAcc1">
-    <dgm:scene3d>
-      <a:camera prst="orthographicFront"/>
-      <a:lightRig rig="threePt" dir="t"/>
-    </dgm:scene3d>
-    <dgm:sp3d/>
     <dgm:txPr/>
     <dgm:style>
       <a:lnRef idx="2">
@@ -2251,12 +2474,11 @@
       <a:fontRef idx="minor"/>
     </dgm:style>
   </dgm:styleLbl>
-  <dgm:styleLbl name="conFgAcc1">
+  <dgm:styleLbl name="solidBgAcc1">
     <dgm:scene3d>
       <a:camera prst="orthographicFront"/>
       <a:lightRig rig="threePt" dir="t"/>
     </dgm:scene3d>
-    <dgm:sp3d/>
     <dgm:txPr/>
     <dgm:style>
       <a:lnRef idx="2">
@@ -2271,12 +2493,11 @@
       <a:fontRef idx="minor"/>
     </dgm:style>
   </dgm:styleLbl>
-  <dgm:styleLbl name="alignAcc1">
+  <dgm:styleLbl name="solidFgAcc1">
     <dgm:scene3d>
       <a:camera prst="orthographicFront"/>
       <a:lightRig rig="threePt" dir="t"/>
     </dgm:scene3d>
-    <dgm:sp3d/>
     <dgm:txPr/>
     <dgm:style>
       <a:lnRef idx="2">
@@ -2296,270 +2517,9 @@
       <a:camera prst="orthographicFront"/>
       <a:lightRig rig="threePt" dir="t"/>
     </dgm:scene3d>
-    <dgm:sp3d/>
     <dgm:txPr/>
     <dgm:style>
       <a:lnRef idx="1">
-        <a:scrgbClr r="0" g="0" b="0"/>
-      </a:lnRef>
-      <a:fillRef idx="1">
-        <a:scrgbClr r="0" g="0" b="0"/>
-      </a:fillRef>
-      <a:effectRef idx="0">
-        <a:scrgbClr r="0" g="0" b="0"/>
-      </a:effectRef>
-      <a:fontRef idx="minor"/>
-    </dgm:style>
-  </dgm:styleLbl>
-  <dgm:styleLbl name="bgAcc1">
-    <dgm:scene3d>
-      <a:camera prst="orthographicFront"/>
-      <a:lightRig rig="threePt" dir="t"/>
-    </dgm:scene3d>
-    <dgm:sp3d/>
-    <dgm:txPr/>
-    <dgm:style>
-      <a:lnRef idx="2">
-        <a:scrgbClr r="0" g="0" b="0"/>
-      </a:lnRef>
-      <a:fillRef idx="1">
-        <a:scrgbClr r="0" g="0" b="0"/>
-      </a:fillRef>
-      <a:effectRef idx="0">
-        <a:scrgbClr r="0" g="0" b="0"/>
-      </a:effectRef>
-      <a:fontRef idx="minor"/>
-    </dgm:style>
-  </dgm:styleLbl>
-  <dgm:styleLbl name="solidFgAcc1">
-    <dgm:scene3d>
-      <a:camera prst="orthographicFront"/>
-      <a:lightRig rig="threePt" dir="t"/>
-    </dgm:scene3d>
-    <dgm:sp3d/>
-    <dgm:txPr/>
-    <dgm:style>
-      <a:lnRef idx="2">
-        <a:scrgbClr r="0" g="0" b="0"/>
-      </a:lnRef>
-      <a:fillRef idx="1">
-        <a:scrgbClr r="0" g="0" b="0"/>
-      </a:fillRef>
-      <a:effectRef idx="0">
-        <a:scrgbClr r="0" g="0" b="0"/>
-      </a:effectRef>
-      <a:fontRef idx="minor"/>
-    </dgm:style>
-  </dgm:styleLbl>
-  <dgm:styleLbl name="solidAlignAcc1">
-    <dgm:scene3d>
-      <a:camera prst="orthographicFront"/>
-      <a:lightRig rig="threePt" dir="t"/>
-    </dgm:scene3d>
-    <dgm:sp3d/>
-    <dgm:txPr/>
-    <dgm:style>
-      <a:lnRef idx="2">
-        <a:scrgbClr r="0" g="0" b="0"/>
-      </a:lnRef>
-      <a:fillRef idx="1">
-        <a:scrgbClr r="0" g="0" b="0"/>
-      </a:fillRef>
-      <a:effectRef idx="0">
-        <a:scrgbClr r="0" g="0" b="0"/>
-      </a:effectRef>
-      <a:fontRef idx="minor"/>
-    </dgm:style>
-  </dgm:styleLbl>
-  <dgm:styleLbl name="solidBgAcc1">
-    <dgm:scene3d>
-      <a:camera prst="orthographicFront"/>
-      <a:lightRig rig="threePt" dir="t"/>
-    </dgm:scene3d>
-    <dgm:sp3d/>
-    <dgm:txPr/>
-    <dgm:style>
-      <a:lnRef idx="2">
-        <a:scrgbClr r="0" g="0" b="0"/>
-      </a:lnRef>
-      <a:fillRef idx="1">
-        <a:scrgbClr r="0" g="0" b="0"/>
-      </a:fillRef>
-      <a:effectRef idx="0">
-        <a:scrgbClr r="0" g="0" b="0"/>
-      </a:effectRef>
-      <a:fontRef idx="minor"/>
-    </dgm:style>
-  </dgm:styleLbl>
-  <dgm:styleLbl name="fgAccFollowNode1">
-    <dgm:scene3d>
-      <a:camera prst="orthographicFront"/>
-      <a:lightRig rig="threePt" dir="t"/>
-    </dgm:scene3d>
-    <dgm:sp3d/>
-    <dgm:txPr/>
-    <dgm:style>
-      <a:lnRef idx="2">
-        <a:scrgbClr r="0" g="0" b="0"/>
-      </a:lnRef>
-      <a:fillRef idx="1">
-        <a:scrgbClr r="0" g="0" b="0"/>
-      </a:fillRef>
-      <a:effectRef idx="0">
-        <a:scrgbClr r="0" g="0" b="0"/>
-      </a:effectRef>
-      <a:fontRef idx="minor"/>
-    </dgm:style>
-  </dgm:styleLbl>
-  <dgm:styleLbl name="alignAccFollowNode1">
-    <dgm:scene3d>
-      <a:camera prst="orthographicFront"/>
-      <a:lightRig rig="threePt" dir="t"/>
-    </dgm:scene3d>
-    <dgm:sp3d/>
-    <dgm:txPr/>
-    <dgm:style>
-      <a:lnRef idx="2">
-        <a:scrgbClr r="0" g="0" b="0"/>
-      </a:lnRef>
-      <a:fillRef idx="1">
-        <a:scrgbClr r="0" g="0" b="0"/>
-      </a:fillRef>
-      <a:effectRef idx="0">
-        <a:scrgbClr r="0" g="0" b="0"/>
-      </a:effectRef>
-      <a:fontRef idx="minor"/>
-    </dgm:style>
-  </dgm:styleLbl>
-  <dgm:styleLbl name="bgAccFollowNode1">
-    <dgm:scene3d>
-      <a:camera prst="orthographicFront"/>
-      <a:lightRig rig="threePt" dir="t"/>
-    </dgm:scene3d>
-    <dgm:sp3d/>
-    <dgm:txPr/>
-    <dgm:style>
-      <a:lnRef idx="2">
-        <a:scrgbClr r="0" g="0" b="0"/>
-      </a:lnRef>
-      <a:fillRef idx="1">
-        <a:scrgbClr r="0" g="0" b="0"/>
-      </a:fillRef>
-      <a:effectRef idx="0">
-        <a:scrgbClr r="0" g="0" b="0"/>
-      </a:effectRef>
-      <a:fontRef idx="minor"/>
-    </dgm:style>
-  </dgm:styleLbl>
-  <dgm:styleLbl name="fgAcc0">
-    <dgm:scene3d>
-      <a:camera prst="orthographicFront"/>
-      <a:lightRig rig="threePt" dir="t"/>
-    </dgm:scene3d>
-    <dgm:sp3d/>
-    <dgm:txPr/>
-    <dgm:style>
-      <a:lnRef idx="2">
-        <a:scrgbClr r="0" g="0" b="0"/>
-      </a:lnRef>
-      <a:fillRef idx="1">
-        <a:scrgbClr r="0" g="0" b="0"/>
-      </a:fillRef>
-      <a:effectRef idx="0">
-        <a:scrgbClr r="0" g="0" b="0"/>
-      </a:effectRef>
-      <a:fontRef idx="minor"/>
-    </dgm:style>
-  </dgm:styleLbl>
-  <dgm:styleLbl name="fgAcc2">
-    <dgm:scene3d>
-      <a:camera prst="orthographicFront"/>
-      <a:lightRig rig="threePt" dir="t"/>
-    </dgm:scene3d>
-    <dgm:sp3d/>
-    <dgm:txPr/>
-    <dgm:style>
-      <a:lnRef idx="2">
-        <a:scrgbClr r="0" g="0" b="0"/>
-      </a:lnRef>
-      <a:fillRef idx="1">
-        <a:scrgbClr r="0" g="0" b="0"/>
-      </a:fillRef>
-      <a:effectRef idx="0">
-        <a:scrgbClr r="0" g="0" b="0"/>
-      </a:effectRef>
-      <a:fontRef idx="minor"/>
-    </dgm:style>
-  </dgm:styleLbl>
-  <dgm:styleLbl name="fgAcc3">
-    <dgm:scene3d>
-      <a:camera prst="orthographicFront"/>
-      <a:lightRig rig="threePt" dir="t"/>
-    </dgm:scene3d>
-    <dgm:sp3d/>
-    <dgm:txPr/>
-    <dgm:style>
-      <a:lnRef idx="2">
-        <a:scrgbClr r="0" g="0" b="0"/>
-      </a:lnRef>
-      <a:fillRef idx="1">
-        <a:scrgbClr r="0" g="0" b="0"/>
-      </a:fillRef>
-      <a:effectRef idx="0">
-        <a:scrgbClr r="0" g="0" b="0"/>
-      </a:effectRef>
-      <a:fontRef idx="minor"/>
-    </dgm:style>
-  </dgm:styleLbl>
-  <dgm:styleLbl name="fgAcc4">
-    <dgm:scene3d>
-      <a:camera prst="orthographicFront"/>
-      <a:lightRig rig="threePt" dir="t"/>
-    </dgm:scene3d>
-    <dgm:sp3d/>
-    <dgm:txPr/>
-    <dgm:style>
-      <a:lnRef idx="2">
-        <a:scrgbClr r="0" g="0" b="0"/>
-      </a:lnRef>
-      <a:fillRef idx="1">
-        <a:scrgbClr r="0" g="0" b="0"/>
-      </a:fillRef>
-      <a:effectRef idx="0">
-        <a:scrgbClr r="0" g="0" b="0"/>
-      </a:effectRef>
-      <a:fontRef idx="minor"/>
-    </dgm:style>
-  </dgm:styleLbl>
-  <dgm:styleLbl name="bgShp">
-    <dgm:scene3d>
-      <a:camera prst="orthographicFront"/>
-      <a:lightRig rig="threePt" dir="t"/>
-    </dgm:scene3d>
-    <dgm:sp3d/>
-    <dgm:txPr/>
-    <dgm:style>
-      <a:lnRef idx="0">
-        <a:scrgbClr r="0" g="0" b="0"/>
-      </a:lnRef>
-      <a:fillRef idx="1">
-        <a:scrgbClr r="0" g="0" b="0"/>
-      </a:fillRef>
-      <a:effectRef idx="0">
-        <a:scrgbClr r="0" g="0" b="0"/>
-      </a:effectRef>
-      <a:fontRef idx="minor"/>
-    </dgm:style>
-  </dgm:styleLbl>
-  <dgm:styleLbl name="dkBgShp">
-    <dgm:scene3d>
-      <a:camera prst="orthographicFront"/>
-      <a:lightRig rig="threePt" dir="t"/>
-    </dgm:scene3d>
-    <dgm:sp3d/>
-    <dgm:txPr/>
-    <dgm:style>
-      <a:lnRef idx="0">
         <a:scrgbClr r="0" g="0" b="0"/>
       </a:lnRef>
       <a:fillRef idx="1">
@@ -2576,7 +2536,6 @@
       <a:camera prst="orthographicFront"/>
       <a:lightRig rig="threePt" dir="t"/>
     </dgm:scene3d>
-    <dgm:sp3d/>
     <dgm:txPr/>
     <dgm:style>
       <a:lnRef idx="0">
@@ -2591,12 +2550,11 @@
       <a:fontRef idx="minor"/>
     </dgm:style>
   </dgm:styleLbl>
-  <dgm:styleLbl name="fgShp">
+  <dgm:styleLbl name="vennNode1">
     <dgm:scene3d>
       <a:camera prst="orthographicFront"/>
       <a:lightRig rig="threePt" dir="t"/>
     </dgm:scene3d>
-    <dgm:sp3d/>
     <dgm:txPr/>
     <dgm:style>
       <a:lnRef idx="2">
@@ -2608,27 +2566,9 @@
       <a:effectRef idx="0">
         <a:scrgbClr r="0" g="0" b="0"/>
       </a:effectRef>
-      <a:fontRef idx="minor"/>
-    </dgm:style>
-  </dgm:styleLbl>
-  <dgm:styleLbl name="revTx">
-    <dgm:scene3d>
-      <a:camera prst="orthographicFront"/>
-      <a:lightRig rig="threePt" dir="t"/>
-    </dgm:scene3d>
-    <dgm:sp3d/>
-    <dgm:txPr/>
-    <dgm:style>
-      <a:lnRef idx="0">
-        <a:scrgbClr r="0" g="0" b="0"/>
-      </a:lnRef>
-      <a:fillRef idx="0">
-        <a:scrgbClr r="0" g="0" b="0"/>
-      </a:fillRef>
-      <a:effectRef idx="0">
-        <a:scrgbClr r="0" g="0" b="0"/>
-      </a:effectRef>
-      <a:fontRef idx="minor"/>
+      <a:fontRef idx="minor">
+        <a:schemeClr val="tx1"/>
+      </a:fontRef>
     </dgm:style>
   </dgm:styleLbl>
 </dgm:styleDef>
@@ -2716,7 +2656,6 @@
           <a:p>
             <a:fld id="{DB1858B7-DEFC-4084-B9A3-21956C367F77}" type="datetimeFigureOut">
               <a:rPr lang="zh-CN" altLang="en-US" smtClean="0"/>
-              <a:t>2021/6/28</a:t>
             </a:fld>
             <a:endParaRPr lang="zh-CN" altLang="en-US"/>
           </a:p>
@@ -2783,6 +2722,7 @@
               <a:rPr lang="zh-CN" altLang="en-US"/>
               <a:t>编辑母版文本样式</a:t>
             </a:r>
+            <a:endParaRPr lang="zh-CN" altLang="en-US"/>
           </a:p>
           <a:p>
             <a:pPr lvl="1"/>
@@ -2790,6 +2730,7 @@
               <a:rPr lang="zh-CN" altLang="en-US"/>
               <a:t>第二级</a:t>
             </a:r>
+            <a:endParaRPr lang="zh-CN" altLang="en-US"/>
           </a:p>
           <a:p>
             <a:pPr lvl="2"/>
@@ -2797,6 +2738,7 @@
               <a:rPr lang="zh-CN" altLang="en-US"/>
               <a:t>第三级</a:t>
             </a:r>
+            <a:endParaRPr lang="zh-CN" altLang="en-US"/>
           </a:p>
           <a:p>
             <a:pPr lvl="3"/>
@@ -2804,6 +2746,7 @@
               <a:rPr lang="zh-CN" altLang="en-US"/>
               <a:t>第四级</a:t>
             </a:r>
+            <a:endParaRPr lang="zh-CN" altLang="en-US"/>
           </a:p>
           <a:p>
             <a:pPr lvl="4"/>
@@ -2811,6 +2754,7 @@
               <a:rPr lang="zh-CN" altLang="en-US"/>
               <a:t>第五级</a:t>
             </a:r>
+            <a:endParaRPr lang="zh-CN" altLang="en-US"/>
           </a:p>
         </p:txBody>
       </p:sp>
@@ -2874,7 +2818,6 @@
           <a:p>
             <a:fld id="{BC6A8F70-FC19-449C-BCF6-CA9BB7A459EB}" type="slidenum">
               <a:rPr lang="zh-CN" altLang="en-US" smtClean="0"/>
-              <a:t>‹#›</a:t>
             </a:fld>
             <a:endParaRPr lang="zh-CN" altLang="en-US"/>
           </a:p>
@@ -3042,6 +2985,7 @@
               <a:rPr kumimoji="1" lang="zh-CN" altLang="en-US" dirty="0"/>
               <a:t>级。下面我开始讲述我的内容。</a:t>
             </a:r>
+            <a:endParaRPr kumimoji="1" lang="zh-CN" altLang="en-US" dirty="0"/>
           </a:p>
         </p:txBody>
       </p:sp>
@@ -3062,7 +3006,6 @@
           <a:p>
             <a:fld id="{BC6A8F70-FC19-449C-BCF6-CA9BB7A459EB}" type="slidenum">
               <a:rPr lang="zh-CN" altLang="en-US" smtClean="0"/>
-              <a:t>1</a:t>
             </a:fld>
             <a:endParaRPr lang="zh-CN" altLang="en-US"/>
           </a:p>
@@ -3181,11 +3124,6 @@
         </p:txBody>
       </p:sp>
     </p:spTree>
-    <p:extLst>
-      <p:ext uri="{BB962C8B-B14F-4D97-AF65-F5344CB8AC3E}">
-        <p14:creationId xmlns:p14="http://schemas.microsoft.com/office/powerpoint/2010/main" val="669607713"/>
-      </p:ext>
-    </p:extLst>
   </p:cSld>
   <p:clrMapOvr>
     <a:masterClrMapping/>
@@ -3705,6 +3643,7 @@
               <a:rPr kumimoji="1" lang="zh-CN" altLang="en-US" dirty="0"/>
               <a:t>未来规划</a:t>
             </a:r>
+            <a:endParaRPr kumimoji="1" lang="zh-CN" altLang="en-US" dirty="0"/>
           </a:p>
         </p:txBody>
       </p:sp>
@@ -3725,7 +3664,6 @@
           <a:p>
             <a:fld id="{BC6A8F70-FC19-449C-BCF6-CA9BB7A459EB}" type="slidenum">
               <a:rPr lang="zh-CN" altLang="en-US" smtClean="0"/>
-              <a:t>2</a:t>
             </a:fld>
             <a:endParaRPr lang="zh-CN" altLang="en-US"/>
           </a:p>
@@ -3804,7 +3742,6 @@
           <a:p>
             <a:fld id="{BC6A8F70-FC19-449C-BCF6-CA9BB7A459EB}" type="slidenum">
               <a:rPr lang="zh-CN" altLang="en-US" smtClean="0"/>
-              <a:t>20</a:t>
             </a:fld>
             <a:endParaRPr lang="zh-CN" altLang="en-US"/>
           </a:p>
@@ -3883,7 +3820,6 @@
           <a:p>
             <a:fld id="{BC6A8F70-FC19-449C-BCF6-CA9BB7A459EB}" type="slidenum">
               <a:rPr lang="zh-CN" altLang="en-US" smtClean="0"/>
-              <a:t>21</a:t>
             </a:fld>
             <a:endParaRPr lang="zh-CN" altLang="en-US"/>
           </a:p>
@@ -3977,6 +3913,7 @@
               <a:rPr lang="zh-CN" altLang="en-US" dirty="0"/>
               <a:t>。</a:t>
             </a:r>
+            <a:endParaRPr lang="zh-CN" altLang="en-US" dirty="0"/>
           </a:p>
         </p:txBody>
       </p:sp>
@@ -4611,7 +4548,7 @@
 </file>
 
 <file path=ppt/slideLayouts/slideLayout1.xml><?xml version="1.0" encoding="utf-8"?>
-<p:sldLayout xmlns:a="http://schemas.openxmlformats.org/drawingml/2006/main" xmlns:r="http://schemas.openxmlformats.org/officeDocument/2006/relationships" xmlns:p="http://schemas.openxmlformats.org/presentationml/2006/main" showMasterSp="0" type="title" preserve="1">
+<p:sldLayout xmlns:a="http://schemas.openxmlformats.org/drawingml/2006/main" xmlns:r="http://schemas.openxmlformats.org/officeDocument/2006/relationships" xmlns:p="http://schemas.openxmlformats.org/presentationml/2006/main" type="title" preserve="1" showMasterSp="0">
   <p:cSld name="标题幻灯片">
     <p:spTree>
       <p:nvGrpSpPr>
@@ -4791,6 +4728,7 @@
               <a:rPr lang="zh-CN" altLang="en-US" dirty="0"/>
               <a:t>单击此处编辑母版标题样式</a:t>
             </a:r>
+            <a:endParaRPr lang="zh-CN" altLang="en-US" dirty="0"/>
           </a:p>
         </p:txBody>
       </p:sp>
@@ -4858,6 +4796,7 @@
               <a:rPr lang="zh-CN" altLang="en-US" dirty="0"/>
               <a:t>单击此处编辑母版副标题样式</a:t>
             </a:r>
+            <a:endParaRPr lang="zh-CN" altLang="en-US" dirty="0"/>
           </a:p>
         </p:txBody>
       </p:sp>
@@ -4910,6 +4849,7 @@
               <a:rPr lang="zh-CN" altLang="en-US" dirty="0"/>
               <a:t>单击此处编辑母版标题样式</a:t>
             </a:r>
+            <a:endParaRPr lang="zh-CN" altLang="en-US" dirty="0"/>
           </a:p>
         </p:txBody>
       </p:sp>
@@ -4938,6 +4878,7 @@
               <a:rPr lang="zh-CN" altLang="en-US" dirty="0"/>
               <a:t>编辑母版文本样式</a:t>
             </a:r>
+            <a:endParaRPr lang="zh-CN" altLang="en-US" dirty="0"/>
           </a:p>
           <a:p>
             <a:pPr lvl="1"/>
@@ -4945,6 +4886,7 @@
               <a:rPr lang="zh-CN" altLang="en-US" dirty="0"/>
               <a:t>第二级</a:t>
             </a:r>
+            <a:endParaRPr lang="zh-CN" altLang="en-US" dirty="0"/>
           </a:p>
           <a:p>
             <a:pPr lvl="2"/>
@@ -4952,6 +4894,7 @@
               <a:rPr lang="zh-CN" altLang="en-US" dirty="0"/>
               <a:t>第三级</a:t>
             </a:r>
+            <a:endParaRPr lang="zh-CN" altLang="en-US" dirty="0"/>
           </a:p>
           <a:p>
             <a:pPr lvl="3"/>
@@ -4959,6 +4902,7 @@
               <a:rPr lang="zh-CN" altLang="en-US" dirty="0"/>
               <a:t>第四级</a:t>
             </a:r>
+            <a:endParaRPr lang="zh-CN" altLang="en-US" dirty="0"/>
           </a:p>
           <a:p>
             <a:pPr lvl="4"/>
@@ -4966,6 +4910,7 @@
               <a:rPr lang="zh-CN" altLang="en-US" dirty="0"/>
               <a:t>第五级</a:t>
             </a:r>
+            <a:endParaRPr lang="zh-CN" altLang="en-US" dirty="0"/>
           </a:p>
         </p:txBody>
       </p:sp>
@@ -5013,6 +4958,7 @@
               <a:rPr lang="zh-CN" altLang="en-US"/>
               <a:t>单击此处编辑母版标题样式</a:t>
             </a:r>
+            <a:endParaRPr lang="zh-CN" altLang="en-US"/>
           </a:p>
         </p:txBody>
       </p:sp>
@@ -5025,7 +4971,7 @@
 </file>
 
 <file path=ppt/slideLayouts/slideLayout4.xml><?xml version="1.0" encoding="utf-8"?>
-<p:sldLayout xmlns:a="http://schemas.openxmlformats.org/drawingml/2006/main" xmlns:r="http://schemas.openxmlformats.org/officeDocument/2006/relationships" xmlns:p="http://schemas.openxmlformats.org/presentationml/2006/main" showMasterSp="0" preserve="1" userDrawn="1">
+<p:sldLayout xmlns:a="http://schemas.openxmlformats.org/drawingml/2006/main" xmlns:r="http://schemas.openxmlformats.org/officeDocument/2006/relationships" xmlns:p="http://schemas.openxmlformats.org/presentationml/2006/main" preserve="1" showMasterSp="0" userDrawn="1">
   <p:cSld name="节标题">
     <p:spTree>
       <p:nvGrpSpPr>
@@ -5848,6 +5794,7 @@
               <a:rPr lang="zh-CN" altLang="en-US" dirty="0"/>
               <a:t>单击此处编辑母版标题样式</a:t>
             </a:r>
+            <a:endParaRPr lang="zh-CN" altLang="en-US" dirty="0"/>
           </a:p>
         </p:txBody>
       </p:sp>
@@ -5898,7 +5845,6 @@
           <a:p>
             <a:fld id="{82F288E0-7875-42C4-84C8-98DBBD3BF4D2}" type="datetimeFigureOut">
               <a:rPr lang="zh-CN" altLang="en-US" smtClean="0"/>
-              <a:t>2021/6/28</a:t>
             </a:fld>
             <a:endParaRPr lang="zh-CN" altLang="en-US"/>
           </a:p>
@@ -5950,7 +5896,6 @@
           <a:p>
             <a:fld id="{7D9BB5D0-35E4-459D-AEF3-FE4D7C45CC19}" type="slidenum">
               <a:rPr lang="zh-CN" altLang="en-US" smtClean="0"/>
-              <a:t>‹#›</a:t>
             </a:fld>
             <a:endParaRPr lang="zh-CN" altLang="en-US"/>
           </a:p>
@@ -5995,7 +5940,7 @@
           <p:nvPr userDrawn="1"/>
         </p:nvPicPr>
         <p:blipFill rotWithShape="1">
-          <a:blip r:embed="rId7" cstate="print">
+          <a:blip r:embed="rId6" cstate="print">
             <a:extLst>
               <a:ext uri="{28A0092B-C50C-407E-A947-70E740481C1C}">
                 <a14:useLocalDpi xmlns:a14="http://schemas.microsoft.com/office/drawing/2010/main" val="0"/>
@@ -6056,6 +6001,7 @@
               <a:rPr lang="zh-CN" altLang="en-US" dirty="0"/>
               <a:t>单击此处编辑母版标题样式</a:t>
             </a:r>
+            <a:endParaRPr lang="zh-CN" altLang="en-US" dirty="0"/>
           </a:p>
         </p:txBody>
       </p:sp>
@@ -6089,6 +6035,7 @@
               <a:rPr lang="zh-CN" altLang="en-US" dirty="0"/>
               <a:t>编辑母版文本样式</a:t>
             </a:r>
+            <a:endParaRPr lang="zh-CN" altLang="en-US" dirty="0"/>
           </a:p>
           <a:p>
             <a:pPr lvl="1"/>
@@ -6096,6 +6043,7 @@
               <a:rPr lang="zh-CN" altLang="en-US" dirty="0"/>
               <a:t>第二级</a:t>
             </a:r>
+            <a:endParaRPr lang="zh-CN" altLang="en-US" dirty="0"/>
           </a:p>
           <a:p>
             <a:pPr lvl="2"/>
@@ -6103,6 +6051,7 @@
               <a:rPr lang="zh-CN" altLang="en-US" dirty="0"/>
               <a:t>第三级</a:t>
             </a:r>
+            <a:endParaRPr lang="zh-CN" altLang="en-US" dirty="0"/>
           </a:p>
           <a:p>
             <a:pPr lvl="3"/>
@@ -6110,6 +6059,7 @@
               <a:rPr lang="zh-CN" altLang="en-US" dirty="0"/>
               <a:t>第四级</a:t>
             </a:r>
+            <a:endParaRPr lang="zh-CN" altLang="en-US" dirty="0"/>
           </a:p>
           <a:p>
             <a:pPr lvl="4"/>
@@ -6117,6 +6067,7 @@
               <a:rPr lang="zh-CN" altLang="en-US" dirty="0"/>
               <a:t>第五级</a:t>
             </a:r>
+            <a:endParaRPr lang="zh-CN" altLang="en-US" dirty="0"/>
           </a:p>
         </p:txBody>
       </p:sp>
@@ -6781,6 +6732,16 @@
               </a:rPr>
               <a:t>侯国坤</a:t>
             </a:r>
+            <a:endParaRPr lang="zh-CN" altLang="en-US" sz="1800" dirty="0">
+              <a:solidFill>
+                <a:schemeClr val="tx1">
+                  <a:lumMod val="85000"/>
+                  <a:lumOff val="15000"/>
+                </a:schemeClr>
+              </a:solidFill>
+              <a:latin typeface="微软雅黑" panose="020B0503020204020204" charset="-122"/>
+              <a:ea typeface="微软雅黑" panose="020B0503020204020204" charset="-122"/>
+            </a:endParaRPr>
           </a:p>
           <a:p>
             <a:pPr algn="just" fontAlgn="auto">
@@ -6819,6 +6780,16 @@
               </a:rPr>
               <a:t>研发中心</a:t>
             </a:r>
+            <a:endParaRPr lang="zh-CN" altLang="en-US" sz="1800" dirty="0">
+              <a:solidFill>
+                <a:schemeClr val="tx1">
+                  <a:lumMod val="85000"/>
+                  <a:lumOff val="15000"/>
+                </a:schemeClr>
+              </a:solidFill>
+              <a:latin typeface="微软雅黑" panose="020B0503020204020204" charset="-122"/>
+              <a:ea typeface="微软雅黑" panose="020B0503020204020204" charset="-122"/>
+            </a:endParaRPr>
           </a:p>
           <a:p>
             <a:pPr algn="just" fontAlgn="auto">
@@ -6857,6 +6828,16 @@
               </a:rPr>
               <a:t>技术族/客户端开发</a:t>
             </a:r>
+            <a:endParaRPr lang="zh-CN" altLang="en-US" sz="1800" dirty="0">
+              <a:solidFill>
+                <a:schemeClr val="tx1">
+                  <a:lumMod val="85000"/>
+                  <a:lumOff val="15000"/>
+                </a:schemeClr>
+              </a:solidFill>
+              <a:latin typeface="微软雅黑" panose="020B0503020204020204" charset="-122"/>
+              <a:ea typeface="微软雅黑" panose="020B0503020204020204" charset="-122"/>
+            </a:endParaRPr>
           </a:p>
           <a:p>
             <a:pPr algn="just" fontAlgn="auto">
@@ -6908,6 +6889,16 @@
               </a:rPr>
               <a:t>级</a:t>
             </a:r>
+            <a:endParaRPr lang="zh-CN" altLang="en-US" sz="1800" dirty="0">
+              <a:solidFill>
+                <a:schemeClr val="tx1">
+                  <a:lumMod val="85000"/>
+                  <a:lumOff val="15000"/>
+                </a:schemeClr>
+              </a:solidFill>
+              <a:latin typeface="微软雅黑" panose="020B0503020204020204" charset="-122"/>
+              <a:ea typeface="微软雅黑" panose="020B0503020204020204" charset="-122"/>
+            </a:endParaRPr>
           </a:p>
           <a:p>
             <a:pPr algn="just" fontAlgn="auto">
@@ -6972,6 +6963,16 @@
               </a:rPr>
               <a:t>日</a:t>
             </a:r>
+            <a:endParaRPr lang="zh-CN" altLang="en-US" sz="1800" dirty="0">
+              <a:solidFill>
+                <a:schemeClr val="tx1">
+                  <a:lumMod val="85000"/>
+                  <a:lumOff val="15000"/>
+                </a:schemeClr>
+              </a:solidFill>
+              <a:latin typeface="微软雅黑" panose="020B0503020204020204" charset="-122"/>
+              <a:ea typeface="微软雅黑" panose="020B0503020204020204" charset="-122"/>
+            </a:endParaRPr>
           </a:p>
         </p:txBody>
       </p:sp>
@@ -7062,6 +7063,15 @@
               </a:rPr>
               <a:t>播放器业务重构</a:t>
             </a:r>
+            <a:endParaRPr kumimoji="1" lang="zh-CN" altLang="en-US" sz="2800" dirty="0">
+              <a:solidFill>
+                <a:srgbClr val="1672FB"/>
+              </a:solidFill>
+              <a:latin typeface="微软雅黑" panose="020B0503020204020204" charset="-122"/>
+              <a:ea typeface="微软雅黑" panose="020B0503020204020204" charset="-122"/>
+              <a:cs typeface="TTTGB Medium" panose="020C06030202040F0204" pitchFamily="34" charset="-122"/>
+              <a:sym typeface="+mn-ea"/>
+            </a:endParaRPr>
           </a:p>
         </p:txBody>
       </p:sp>
@@ -7358,6 +7368,15 @@
                 </a:rPr>
                 <a:t>疑难问题</a:t>
               </a:r>
+              <a:endParaRPr lang="zh-CN" altLang="en-US" sz="2000" b="1" kern="0" dirty="0">
+                <a:solidFill>
+                  <a:schemeClr val="bg2">
+                    <a:lumMod val="25000"/>
+                  </a:schemeClr>
+                </a:solidFill>
+                <a:latin typeface="微软雅黑" panose="020B0503020204020204" charset="-122"/>
+                <a:ea typeface="微软雅黑" panose="020B0503020204020204" charset="-122"/>
+              </a:endParaRPr>
             </a:p>
           </p:txBody>
         </p:sp>
@@ -7449,26 +7468,23 @@
               </a:rPr>
               <a:t>播放器业务重构</a:t>
             </a:r>
+            <a:endParaRPr kumimoji="1" lang="zh-CN" altLang="en-US" sz="2800" dirty="0">
+              <a:solidFill>
+                <a:srgbClr val="1672FB"/>
+              </a:solidFill>
+              <a:latin typeface="微软雅黑" panose="020B0503020204020204" charset="-122"/>
+              <a:ea typeface="微软雅黑" panose="020B0503020204020204" charset="-122"/>
+              <a:cs typeface="TTTGB Medium" panose="020C06030202040F0204" pitchFamily="34" charset="-122"/>
+              <a:sym typeface="+mn-ea"/>
+            </a:endParaRPr>
           </a:p>
         </p:txBody>
       </p:sp>
       <p:graphicFrame>
         <p:nvGraphicFramePr>
-          <p:cNvPr id="32" name="图示 31">
-            <a:extLst>
-              <a:ext uri="{FF2B5EF4-FFF2-40B4-BE49-F238E27FC236}">
-                <a16:creationId xmlns:a16="http://schemas.microsoft.com/office/drawing/2014/main" id="{F0D83C75-6449-4F10-8A7F-B32CEED18F33}"/>
-              </a:ext>
-            </a:extLst>
-          </p:cNvPr>
+          <p:cNvPr id="32" name="图示 31"/>
           <p:cNvGraphicFramePr/>
-          <p:nvPr>
-            <p:extLst>
-              <p:ext uri="{D42A27DB-BD31-4B8C-83A1-F6EECF244321}">
-                <p14:modId xmlns:p14="http://schemas.microsoft.com/office/powerpoint/2010/main" val="2058737825"/>
-              </p:ext>
-            </p:extLst>
-          </p:nvPr>
+          <p:nvPr/>
         </p:nvGraphicFramePr>
         <p:xfrm>
           <a:off x="4164036" y="1132486"/>
@@ -7476,19 +7492,13 @@
         </p:xfrm>
         <a:graphic>
           <a:graphicData uri="http://schemas.openxmlformats.org/drawingml/2006/diagram">
-            <dgm:relIds xmlns:dgm="http://schemas.openxmlformats.org/drawingml/2006/diagram" xmlns:r="http://schemas.openxmlformats.org/officeDocument/2006/relationships" r:dm="rId3" r:lo="rId4" r:qs="rId5" r:cs="rId6"/>
+            <dgm:relIds xmlns:dgm="http://schemas.openxmlformats.org/drawingml/2006/diagram" xmlns:r="http://schemas.openxmlformats.org/officeDocument/2006/relationships" r:dm="rId1" r:lo="rId2" r:qs="rId3" r:cs="rId4"/>
           </a:graphicData>
         </a:graphic>
       </p:graphicFrame>
       <p:sp>
         <p:nvSpPr>
-          <p:cNvPr id="33" name="矩形: 圆角 32">
-            <a:extLst>
-              <a:ext uri="{FF2B5EF4-FFF2-40B4-BE49-F238E27FC236}">
-                <a16:creationId xmlns:a16="http://schemas.microsoft.com/office/drawing/2014/main" id="{583952BF-0C26-4DD1-B224-E68096F0FD62}"/>
-              </a:ext>
-            </a:extLst>
-          </p:cNvPr>
+          <p:cNvPr id="33" name="矩形: 圆角 32"/>
           <p:cNvSpPr/>
           <p:nvPr/>
         </p:nvSpPr>
@@ -7526,18 +7536,13 @@
               <a:rPr lang="zh-CN" altLang="en-US" sz="2800" b="1" dirty="0"/>
               <a:t>播放器页</a:t>
             </a:r>
+            <a:endParaRPr lang="zh-CN" altLang="en-US" sz="2800" b="1" dirty="0"/>
           </a:p>
         </p:txBody>
       </p:sp>
       <p:sp>
         <p:nvSpPr>
-          <p:cNvPr id="34" name="箭头: 右 33">
-            <a:extLst>
-              <a:ext uri="{FF2B5EF4-FFF2-40B4-BE49-F238E27FC236}">
-                <a16:creationId xmlns:a16="http://schemas.microsoft.com/office/drawing/2014/main" id="{435BF3CE-DD2E-4FB5-81E7-282AEC61155B}"/>
-              </a:ext>
-            </a:extLst>
-          </p:cNvPr>
+          <p:cNvPr id="34" name="箭头: 右 33"/>
           <p:cNvSpPr/>
           <p:nvPr/>
         </p:nvSpPr>
@@ -7579,11 +7584,6 @@
         </p:txBody>
       </p:sp>
     </p:spTree>
-    <p:extLst>
-      <p:ext uri="{BB962C8B-B14F-4D97-AF65-F5344CB8AC3E}">
-        <p14:creationId xmlns:p14="http://schemas.microsoft.com/office/powerpoint/2010/main" val="337550155"/>
-      </p:ext>
-    </p:extLst>
   </p:cSld>
   <p:clrMapOvr>
     <a:masterClrMapping/>
@@ -7670,6 +7670,15 @@
               </a:rPr>
               <a:t>播放器业务重构</a:t>
             </a:r>
+            <a:endParaRPr kumimoji="1" lang="zh-CN" altLang="en-US" sz="2800" dirty="0">
+              <a:solidFill>
+                <a:srgbClr val="1672FB"/>
+              </a:solidFill>
+              <a:latin typeface="微软雅黑" panose="020B0503020204020204" charset="-122"/>
+              <a:ea typeface="微软雅黑" panose="020B0503020204020204" charset="-122"/>
+              <a:cs typeface="TTTGB Medium" panose="020C06030202040F0204" pitchFamily="34" charset="-122"/>
+              <a:sym typeface="+mn-ea"/>
+            </a:endParaRPr>
           </a:p>
         </p:txBody>
       </p:sp>
@@ -7724,6 +7733,9 @@
               </a:rPr>
               <a:t>拦截器的责任链模式，非常方便日后扩展和维护，从此不再在团团的代码迷雾中寻找答案。</a:t>
             </a:r>
+            <a:endParaRPr lang="zh-CN" altLang="en-US" sz="2000" dirty="0">
+              <a:latin typeface="+mn-ea"/>
+            </a:endParaRPr>
           </a:p>
         </p:txBody>
       </p:sp>
@@ -7991,6 +8003,7 @@
                   <a:rPr lang="zh-CN" altLang="en-US"/>
                   <a:t>音频广告</a:t>
                 </a:r>
+                <a:endParaRPr lang="zh-CN" altLang="en-US"/>
               </a:p>
             </p:txBody>
           </p:sp>
@@ -8020,6 +8033,7 @@
                   <a:rPr lang="zh-CN" altLang="en-US"/>
                   <a:t>高优先广告</a:t>
                 </a:r>
+                <a:endParaRPr lang="zh-CN" altLang="en-US"/>
               </a:p>
             </p:txBody>
           </p:sp>
@@ -8049,6 +8063,7 @@
                   <a:rPr lang="zh-CN" altLang="en-US"/>
                   <a:t>集合广告</a:t>
                 </a:r>
+                <a:endParaRPr lang="zh-CN" altLang="en-US"/>
               </a:p>
             </p:txBody>
           </p:sp>
@@ -8078,6 +8093,7 @@
                   <a:rPr lang="zh-CN" altLang="en-US"/>
                   <a:t>低优先广告</a:t>
                 </a:r>
+                <a:endParaRPr lang="zh-CN" altLang="en-US"/>
               </a:p>
             </p:txBody>
           </p:sp>
@@ -8369,6 +8385,15 @@
               </a:rPr>
               <a:t>播放器业务重构</a:t>
             </a:r>
+            <a:endParaRPr kumimoji="1" lang="zh-CN" altLang="en-US" sz="2800" dirty="0">
+              <a:solidFill>
+                <a:srgbClr val="1672FB"/>
+              </a:solidFill>
+              <a:latin typeface="微软雅黑" panose="020B0503020204020204" charset="-122"/>
+              <a:ea typeface="微软雅黑" panose="020B0503020204020204" charset="-122"/>
+              <a:cs typeface="TTTGB Medium" panose="020C06030202040F0204" pitchFamily="34" charset="-122"/>
+              <a:sym typeface="+mn-ea"/>
+            </a:endParaRPr>
           </a:p>
         </p:txBody>
       </p:sp>
@@ -8429,18 +8454,15 @@
               </a:rPr>
               <a:t>不同章节切换的时候，播放器的背景色和封面使用上一张图作为默认图，加载成功后直接替换，且需要支持高斯模糊。</a:t>
             </a:r>
+            <a:endParaRPr lang="zh-CN" altLang="en-US" sz="2000" dirty="0">
+              <a:latin typeface="+mn-ea"/>
+            </a:endParaRPr>
           </a:p>
         </p:txBody>
       </p:sp>
       <p:sp>
         <p:nvSpPr>
-          <p:cNvPr id="7" name="文本框 6">
-            <a:extLst>
-              <a:ext uri="{FF2B5EF4-FFF2-40B4-BE49-F238E27FC236}">
-                <a16:creationId xmlns:a16="http://schemas.microsoft.com/office/drawing/2014/main" id="{3E982789-7457-4086-A64D-7A20C5B3F41A}"/>
-              </a:ext>
-            </a:extLst>
-          </p:cNvPr>
+          <p:cNvPr id="7" name="文本框 6"/>
           <p:cNvSpPr txBox="1"/>
           <p:nvPr/>
         </p:nvSpPr>
@@ -8495,6 +8517,9 @@
               </a:rPr>
               <a:t>贴片广告播控</a:t>
             </a:r>
+            <a:endParaRPr lang="zh-CN" altLang="en-US" sz="2000" dirty="0">
+              <a:latin typeface="+mn-ea"/>
+            </a:endParaRPr>
           </a:p>
         </p:txBody>
       </p:sp>
@@ -8630,6 +8655,7 @@
               <a:rPr lang="zh-CN" altLang="en-US"/>
               <a:t>，可以运行到任意车机。</a:t>
             </a:r>
+            <a:endParaRPr lang="zh-CN" altLang="en-US"/>
           </a:p>
         </p:txBody>
       </p:sp>
@@ -8667,6 +8693,7 @@
               <a:rPr lang="zh-CN" altLang="en-US"/>
               <a:t>：不同车机屏幕适配。</a:t>
             </a:r>
+            <a:endParaRPr lang="zh-CN" altLang="en-US"/>
           </a:p>
         </p:txBody>
       </p:sp>
@@ -8700,6 +8727,11 @@
               </a:rPr>
               <a:t>现有解决方案</a:t>
             </a:r>
+            <a:endParaRPr lang="zh-CN" altLang="en-US" sz="2000" b="1">
+              <a:solidFill>
+                <a:schemeClr val="tx1"/>
+              </a:solidFill>
+            </a:endParaRPr>
           </a:p>
         </p:txBody>
       </p:sp>
@@ -8736,6 +8768,7 @@
               <a:rPr lang="zh-CN" altLang="en-US"/>
               <a:t>屏幕分辨率限定符适配</a:t>
             </a:r>
+            <a:endParaRPr lang="zh-CN" altLang="en-US"/>
           </a:p>
           <a:p>
             <a:pPr marL="285750" indent="-285750" algn="l">
@@ -8749,6 +8782,7 @@
               <a:rPr lang="zh-CN" altLang="en-US"/>
               <a:t>今日头条适配方案</a:t>
             </a:r>
+            <a:endParaRPr lang="zh-CN" altLang="en-US"/>
           </a:p>
         </p:txBody>
       </p:sp>
@@ -8880,6 +8914,11 @@
               </a:rPr>
               <a:t>现有解决方案的缺点</a:t>
             </a:r>
+            <a:endParaRPr lang="zh-CN" altLang="en-US" sz="2000" b="1">
+              <a:solidFill>
+                <a:schemeClr val="tx1"/>
+              </a:solidFill>
+            </a:endParaRPr>
           </a:p>
         </p:txBody>
       </p:sp>
@@ -8916,6 +8955,7 @@
               <a:rPr lang="zh-CN" altLang="en-US"/>
               <a:t>屏幕分辨率限定符适配的缺点</a:t>
             </a:r>
+            <a:endParaRPr lang="zh-CN" altLang="en-US"/>
           </a:p>
           <a:p>
             <a:pPr marL="285750" indent="-285750" algn="l">
@@ -8933,6 +8973,11 @@
               </a:rPr>
               <a:t>不适合车机，车机没有所谓的主流屏幕的最小宽度。</a:t>
             </a:r>
+            <a:endParaRPr lang="zh-CN" altLang="en-US">
+              <a:solidFill>
+                <a:schemeClr val="tx1"/>
+              </a:solidFill>
+            </a:endParaRPr>
           </a:p>
           <a:p>
             <a:pPr marL="285750" indent="-285750" algn="l">
@@ -8945,11 +8990,24 @@
             <a:r>
               <a:rPr lang="zh-CN" altLang="en-US">
                 <a:solidFill>
+                  <a:srgbClr val="FF0000"/>
+                </a:solidFill>
+              </a:rPr>
+              <a:t>无法生成一系列 values-sw&lt;N&gt;dp 文件夹 (含有 dimens.xml 文件</a:t>
+            </a:r>
+            <a:r>
+              <a:rPr lang="zh-CN" altLang="en-US">
+                <a:solidFill>
                   <a:schemeClr val="tx1"/>
                 </a:solidFill>
               </a:rPr>
-              <a:t>无法生成一系列 values-sw&lt;N&gt;dp 文件夹 (含有 dimens.xml 文件)。</a:t>
+              <a:t>)。</a:t>
             </a:r>
+            <a:endParaRPr lang="zh-CN" altLang="en-US">
+              <a:solidFill>
+                <a:schemeClr val="tx1"/>
+              </a:solidFill>
+            </a:endParaRPr>
           </a:p>
         </p:txBody>
       </p:sp>
@@ -8986,6 +9044,7 @@
               <a:rPr lang="zh-CN" altLang="en-US"/>
               <a:t>今日头条适配方案的缺点</a:t>
             </a:r>
+            <a:endParaRPr lang="zh-CN" altLang="en-US"/>
           </a:p>
           <a:p>
             <a:pPr marL="285750" indent="-285750" algn="l">
@@ -9003,6 +9062,11 @@
               </a:rPr>
               <a:t>只公布了核心代码，没有代码库，意味着有很多未知的坑。</a:t>
             </a:r>
+            <a:endParaRPr lang="zh-CN" altLang="en-US">
+              <a:solidFill>
+                <a:schemeClr val="tx1"/>
+              </a:solidFill>
+            </a:endParaRPr>
           </a:p>
           <a:p>
             <a:pPr marL="285750" indent="-285750" algn="l">
@@ -9020,6 +9084,11 @@
               </a:rPr>
               <a:t>核心代码只实现了修改系统 density 的相关逻辑，没有扩展性、灵活性。</a:t>
             </a:r>
+            <a:endParaRPr lang="zh-CN" altLang="en-US">
+              <a:solidFill>
+                <a:schemeClr val="tx1"/>
+              </a:solidFill>
+            </a:endParaRPr>
           </a:p>
         </p:txBody>
       </p:sp>
@@ -9151,6 +9220,11 @@
               </a:rPr>
               <a:t>懒人车载版方案</a:t>
             </a:r>
+            <a:endParaRPr lang="zh-CN" altLang="en-US">
+              <a:solidFill>
+                <a:srgbClr val="FF0000"/>
+              </a:solidFill>
+            </a:endParaRPr>
           </a:p>
           <a:p>
             <a:endParaRPr lang="zh-CN" altLang="en-US"/>
@@ -9165,6 +9239,7 @@
               <a:rPr lang="zh-CN" altLang="en-US"/>
               <a:t>原理</a:t>
             </a:r>
+            <a:endParaRPr lang="zh-CN" altLang="en-US"/>
           </a:p>
           <a:p>
             <a:pPr marL="285750" indent="-285750">
@@ -9184,6 +9259,7 @@
               <a:rPr lang="zh-CN" altLang="en-US"/>
               <a:t>基于设计图的宽度值（或高度值）和对应的dpi适配，即根据设备的实际宽度（或高度）相对应的缩放view的尺寸。</a:t>
             </a:r>
+            <a:endParaRPr lang="zh-CN" altLang="en-US"/>
           </a:p>
           <a:p>
             <a:pPr marL="285750" indent="-285750">
@@ -9203,6 +9279,7 @@
               <a:rPr lang="zh-CN" altLang="en-US"/>
               <a:t>缩放比率 = value * ((float) actualWidth / (float) designWidth)</a:t>
             </a:r>
+            <a:endParaRPr lang="zh-CN" altLang="en-US"/>
           </a:p>
           <a:p>
             <a:pPr indent="0">
@@ -9221,6 +9298,7 @@
               <a:rPr lang="zh-CN" altLang="en-US"/>
               <a:t>适配方案</a:t>
             </a:r>
+            <a:endParaRPr lang="zh-CN" altLang="en-US"/>
           </a:p>
           <a:p>
             <a:pPr marL="285750" indent="-285750">
@@ -9240,6 +9318,7 @@
               <a:rPr lang="zh-CN" altLang="en-US"/>
               <a:t>给定一个宽高大小固定的标准设计图，支持以宽或高一个维度自适应适配，保持宽高比和设计图一致；</a:t>
             </a:r>
+            <a:endParaRPr lang="zh-CN" altLang="en-US"/>
           </a:p>
           <a:p>
             <a:pPr marL="285750" indent="-285750">
@@ -9382,34 +9461,10 @@
                 <a:tableStyleId>{5C22544A-7EE6-4342-B048-85BDC9FD1C3A}</a:tableStyleId>
               </a:tblPr>
               <a:tblGrid>
-                <a:gridCol w="2207260">
-                  <a:extLst>
-                    <a:ext uri="{9D8B030D-6E8A-4147-A177-3AD203B41FA5}">
-                      <a16:colId xmlns:a16="http://schemas.microsoft.com/office/drawing/2014/main" val="20000"/>
-                    </a:ext>
-                  </a:extLst>
-                </a:gridCol>
-                <a:gridCol w="2206625">
-                  <a:extLst>
-                    <a:ext uri="{9D8B030D-6E8A-4147-A177-3AD203B41FA5}">
-                      <a16:colId xmlns:a16="http://schemas.microsoft.com/office/drawing/2014/main" val="20001"/>
-                    </a:ext>
-                  </a:extLst>
-                </a:gridCol>
-                <a:gridCol w="2415540">
-                  <a:extLst>
-                    <a:ext uri="{9D8B030D-6E8A-4147-A177-3AD203B41FA5}">
-                      <a16:colId xmlns:a16="http://schemas.microsoft.com/office/drawing/2014/main" val="20002"/>
-                    </a:ext>
-                  </a:extLst>
-                </a:gridCol>
-                <a:gridCol w="1998345">
-                  <a:extLst>
-                    <a:ext uri="{9D8B030D-6E8A-4147-A177-3AD203B41FA5}">
-                      <a16:colId xmlns:a16="http://schemas.microsoft.com/office/drawing/2014/main" val="20003"/>
-                    </a:ext>
-                  </a:extLst>
-                </a:gridCol>
+                <a:gridCol w="2207260"/>
+                <a:gridCol w="2206625"/>
+                <a:gridCol w="2415540"/>
+                <a:gridCol w="1998345"/>
               </a:tblGrid>
               <a:tr h="767080">
                 <a:tc>
@@ -9424,6 +9479,7 @@
                         <a:rPr lang="zh-CN" altLang="en-US"/>
                         <a:t>对比项目</a:t>
                       </a:r>
+                      <a:endParaRPr lang="zh-CN" altLang="en-US"/>
                     </a:p>
                   </a:txBody>
                   <a:tcPr anchor="ctr" anchorCtr="1"/>
@@ -9440,6 +9496,7 @@
                         <a:rPr lang="zh-CN" altLang="en-US"/>
                         <a:t>今日头条适配方案</a:t>
                       </a:r>
+                      <a:endParaRPr lang="zh-CN" altLang="en-US"/>
                     </a:p>
                   </a:txBody>
                   <a:tcPr anchor="ctr" anchorCtr="1"/>
@@ -9456,6 +9513,7 @@
                         <a:rPr lang="zh-CN" altLang="en-US"/>
                         <a:t>SW 限定符适配方案</a:t>
                       </a:r>
+                      <a:endParaRPr lang="zh-CN" altLang="en-US"/>
                     </a:p>
                   </a:txBody>
                   <a:tcPr anchor="ctr" anchorCtr="1"/>
@@ -9477,15 +9535,16 @@
                         </a:rPr>
                         <a:t>懒人车载版方案</a:t>
                       </a:r>
+                      <a:endParaRPr lang="zh-CN" altLang="en-US" sz="1800">
+                        <a:solidFill>
+                          <a:schemeClr val="bg1"/>
+                        </a:solidFill>
+                        <a:sym typeface="+mn-ea"/>
+                      </a:endParaRPr>
                     </a:p>
                   </a:txBody>
                   <a:tcPr anchor="ctr" anchorCtr="1"/>
                 </a:tc>
-                <a:extLst>
-                  <a:ext uri="{0D108BD9-81ED-4DB2-BD59-A6C34878D82A}">
-                    <a16:rowId xmlns:a16="http://schemas.microsoft.com/office/drawing/2014/main" val="10000"/>
-                  </a:ext>
-                </a:extLst>
               </a:tr>
               <a:tr h="767080">
                 <a:tc>
@@ -9500,6 +9559,7 @@
                         <a:rPr lang="zh-CN" altLang="en-US"/>
                         <a:t>适配效果(越高越好)</a:t>
                       </a:r>
+                      <a:endParaRPr lang="zh-CN" altLang="en-US"/>
                     </a:p>
                   </a:txBody>
                   <a:tcPr anchor="ctr" anchorCtr="1"/>
@@ -9516,6 +9576,7 @@
                         <a:rPr lang="zh-CN" altLang="en-US"/>
                         <a:t>好</a:t>
                       </a:r>
+                      <a:endParaRPr lang="zh-CN" altLang="en-US"/>
                     </a:p>
                   </a:txBody>
                   <a:tcPr anchor="ctr" anchorCtr="1"/>
@@ -9532,6 +9593,7 @@
                         <a:rPr lang="zh-CN" altLang="en-US"/>
                         <a:t>好</a:t>
                       </a:r>
+                      <a:endParaRPr lang="zh-CN" altLang="en-US"/>
                     </a:p>
                   </a:txBody>
                   <a:tcPr anchor="ctr" anchorCtr="1"/>
@@ -9548,15 +9610,11 @@
                         <a:rPr lang="zh-CN" altLang="en-US"/>
                         <a:t>好</a:t>
                       </a:r>
+                      <a:endParaRPr lang="zh-CN" altLang="en-US"/>
                     </a:p>
                   </a:txBody>
                   <a:tcPr anchor="ctr" anchorCtr="1"/>
                 </a:tc>
-                <a:extLst>
-                  <a:ext uri="{0D108BD9-81ED-4DB2-BD59-A6C34878D82A}">
-                    <a16:rowId xmlns:a16="http://schemas.microsoft.com/office/drawing/2014/main" val="10001"/>
-                  </a:ext>
-                </a:extLst>
               </a:tr>
               <a:tr h="767080">
                 <a:tc>
@@ -9571,6 +9629,7 @@
                         <a:rPr lang="zh-CN" altLang="en-US"/>
                         <a:t>使用成本(越低越好)</a:t>
                       </a:r>
+                      <a:endParaRPr lang="zh-CN" altLang="en-US"/>
                     </a:p>
                   </a:txBody>
                   <a:tcPr anchor="ctr" anchorCtr="1"/>
@@ -9587,6 +9646,7 @@
                         <a:rPr lang="zh-CN" altLang="en-US"/>
                         <a:t>高</a:t>
                       </a:r>
+                      <a:endParaRPr lang="zh-CN" altLang="en-US"/>
                     </a:p>
                   </a:txBody>
                   <a:tcPr anchor="ctr" anchorCtr="1"/>
@@ -9603,6 +9663,7 @@
                         <a:rPr lang="zh-CN" altLang="en-US"/>
                         <a:t>低</a:t>
                       </a:r>
+                      <a:endParaRPr lang="zh-CN" altLang="en-US"/>
                     </a:p>
                   </a:txBody>
                   <a:tcPr anchor="ctr" anchorCtr="1"/>
@@ -9619,15 +9680,11 @@
                         <a:rPr lang="zh-CN" altLang="en-US"/>
                         <a:t>低</a:t>
                       </a:r>
+                      <a:endParaRPr lang="zh-CN" altLang="en-US"/>
                     </a:p>
                   </a:txBody>
                   <a:tcPr anchor="ctr" anchorCtr="1"/>
                 </a:tc>
-                <a:extLst>
-                  <a:ext uri="{0D108BD9-81ED-4DB2-BD59-A6C34878D82A}">
-                    <a16:rowId xmlns:a16="http://schemas.microsoft.com/office/drawing/2014/main" val="10002"/>
-                  </a:ext>
-                </a:extLst>
               </a:tr>
               <a:tr h="767080">
                 <a:tc>
@@ -9642,6 +9699,7 @@
                         <a:rPr lang="zh-CN" altLang="en-US"/>
                         <a:t>维护成本(越低越好)</a:t>
                       </a:r>
+                      <a:endParaRPr lang="zh-CN" altLang="en-US"/>
                     </a:p>
                   </a:txBody>
                   <a:tcPr anchor="ctr" anchorCtr="1"/>
@@ -9658,6 +9716,7 @@
                         <a:rPr lang="zh-CN" altLang="en-US"/>
                         <a:t>高</a:t>
                       </a:r>
+                      <a:endParaRPr lang="zh-CN" altLang="en-US"/>
                     </a:p>
                   </a:txBody>
                   <a:tcPr anchor="ctr" anchorCtr="1"/>
@@ -9674,6 +9733,7 @@
                         <a:rPr lang="zh-CN" altLang="en-US"/>
                         <a:t>低</a:t>
                       </a:r>
+                      <a:endParaRPr lang="zh-CN" altLang="en-US"/>
                     </a:p>
                   </a:txBody>
                   <a:tcPr anchor="ctr" anchorCtr="1"/>
@@ -9690,15 +9750,11 @@
                         <a:rPr lang="zh-CN" altLang="en-US"/>
                         <a:t>低</a:t>
                       </a:r>
+                      <a:endParaRPr lang="zh-CN" altLang="en-US"/>
                     </a:p>
                   </a:txBody>
                   <a:tcPr anchor="ctr" anchorCtr="1"/>
                 </a:tc>
-                <a:extLst>
-                  <a:ext uri="{0D108BD9-81ED-4DB2-BD59-A6C34878D82A}">
-                    <a16:rowId xmlns:a16="http://schemas.microsoft.com/office/drawing/2014/main" val="10003"/>
-                  </a:ext>
-                </a:extLst>
               </a:tr>
               <a:tr h="767080">
                 <a:tc>
@@ -9713,6 +9769,7 @@
                         <a:rPr lang="zh-CN" altLang="en-US"/>
                         <a:t>副作用</a:t>
                       </a:r>
+                      <a:endParaRPr lang="zh-CN" altLang="en-US"/>
                     </a:p>
                   </a:txBody>
                   <a:tcPr anchor="ctr" anchorCtr="1"/>
@@ -9729,6 +9786,7 @@
                         <a:rPr lang="zh-CN" altLang="en-US"/>
                         <a:t>今日头条适配方案会影响一些三方库和系统控件</a:t>
                       </a:r>
+                      <a:endParaRPr lang="zh-CN" altLang="en-US"/>
                     </a:p>
                   </a:txBody>
                   <a:tcPr anchor="ctr" anchorCtr="1"/>
@@ -9745,6 +9803,7 @@
                         <a:rPr lang="zh-CN" altLang="en-US"/>
                         <a:t>SW 限定符适配方案会影响 App 的体积</a:t>
                       </a:r>
+                      <a:endParaRPr lang="zh-CN" altLang="en-US"/>
                     </a:p>
                   </a:txBody>
                   <a:tcPr anchor="ctr" anchorCtr="1"/>
@@ -9761,15 +9820,11 @@
                         <a:rPr lang="zh-CN" altLang="en-US"/>
                         <a:t>性能损耗</a:t>
                       </a:r>
+                      <a:endParaRPr lang="zh-CN" altLang="en-US"/>
                     </a:p>
                   </a:txBody>
                   <a:tcPr anchor="ctr" anchorCtr="1"/>
                 </a:tc>
-                <a:extLst>
-                  <a:ext uri="{0D108BD9-81ED-4DB2-BD59-A6C34878D82A}">
-                    <a16:rowId xmlns:a16="http://schemas.microsoft.com/office/drawing/2014/main" val="10004"/>
-                  </a:ext>
-                </a:extLst>
               </a:tr>
             </a:tbl>
           </a:graphicData>
@@ -9886,6 +9941,15 @@
               </a:rPr>
               <a:t>治理</a:t>
             </a:r>
+            <a:endParaRPr kumimoji="1" lang="zh-CN" altLang="en-US" sz="2800" dirty="0">
+              <a:solidFill>
+                <a:srgbClr val="1672FB"/>
+              </a:solidFill>
+              <a:latin typeface="微软雅黑" panose="020B0503020204020204" charset="-122"/>
+              <a:ea typeface="微软雅黑" panose="020B0503020204020204" charset="-122"/>
+              <a:cs typeface="TTTGB Medium" panose="020C06030202040F0204" pitchFamily="34" charset="-122"/>
+              <a:sym typeface="+mn-ea"/>
+            </a:endParaRPr>
           </a:p>
         </p:txBody>
       </p:sp>
@@ -9930,6 +9994,7 @@
               <a:rPr lang="zh-CN" altLang="en-US" sz="2000"/>
               <a:t>内存泄漏：该被释放的对象没有释放，一直被某个或某些实例所持有却不再被</a:t>
             </a:r>
+            <a:endParaRPr lang="zh-CN" altLang="en-US" sz="2000"/>
           </a:p>
           <a:p>
             <a:pPr algn="l">
@@ -9951,6 +10016,7 @@
               <a:rPr lang="en-US" altLang="zh-CN"/>
               <a:t> </a:t>
             </a:r>
+            <a:endParaRPr lang="en-US" altLang="zh-CN"/>
           </a:p>
         </p:txBody>
       </p:sp>
@@ -9995,6 +10061,7 @@
               <a:rPr lang="en-US" altLang="zh-CN"/>
               <a:t> </a:t>
             </a:r>
+            <a:endParaRPr lang="en-US" altLang="zh-CN"/>
           </a:p>
         </p:txBody>
       </p:sp>
@@ -10115,6 +10182,7 @@
               <a:rPr lang="zh-CN" altLang="en-US"/>
               <a:t>的学习和推广应用。</a:t>
             </a:r>
+            <a:endParaRPr lang="zh-CN" altLang="en-US"/>
           </a:p>
           <a:p>
             <a:pPr algn="l">
@@ -10138,6 +10206,7 @@
               <a:rPr lang="zh-CN" altLang="en-US"/>
               <a:t>https://juejin.cn/post/6844903731285196814</a:t>
             </a:r>
+            <a:endParaRPr lang="zh-CN" altLang="en-US"/>
           </a:p>
           <a:p>
             <a:pPr algn="l">
@@ -10161,6 +10230,7 @@
               <a:rPr lang="zh-CN" altLang="en-US"/>
               <a:t>https://juejin.cn/post/6844904046273232903</a:t>
             </a:r>
+            <a:endParaRPr lang="zh-CN" altLang="en-US"/>
           </a:p>
           <a:p>
             <a:pPr algn="l">
@@ -10180,6 +10250,7 @@
               <a:rPr lang="en-US" altLang="zh-CN"/>
               <a:t> 	https://juejin.cn/post/6844904039088570375</a:t>
             </a:r>
+            <a:endParaRPr lang="en-US" altLang="zh-CN"/>
           </a:p>
           <a:p>
             <a:pPr algn="l">
@@ -10191,6 +10262,7 @@
               <a:rPr lang="en-US" altLang="zh-CN"/>
               <a:t>5. 自定义RecyclerView的HeaderItemDecoration实现悬停和点击事件   https://juejin.cn/post/6970870144222363662</a:t>
             </a:r>
+            <a:endParaRPr lang="en-US" altLang="zh-CN"/>
           </a:p>
         </p:txBody>
       </p:sp>
@@ -10487,6 +10559,13 @@
                 </a:rPr>
                 <a:t>个人简介和工作内容概述</a:t>
               </a:r>
+              <a:endParaRPr lang="zh-CN" altLang="en-US" kern="0" dirty="0">
+                <a:solidFill>
+                  <a:srgbClr val="1672FB"/>
+                </a:solidFill>
+                <a:latin typeface="Arial" panose="020B0604020202020204"/>
+                <a:ea typeface="微软雅黑" panose="020B0503020204020204" charset="-122"/>
+              </a:endParaRPr>
             </a:p>
           </p:txBody>
         </p:sp>
@@ -10916,6 +10995,14 @@
                   </a:rPr>
                   <a:t>一</a:t>
                 </a:r>
+                <a:endParaRPr lang="zh-CN" altLang="en-US" sz="2400" b="1" dirty="0">
+                  <a:solidFill>
+                    <a:schemeClr val="bg1"/>
+                  </a:solidFill>
+                  <a:latin typeface="Impact" panose="020B0806030902050204" pitchFamily="34" charset="0"/>
+                  <a:ea typeface="微软雅黑" panose="020B0503020204020204" charset="-122"/>
+                  <a:cs typeface="Aparajita" panose="020B0604020202020204" pitchFamily="34" charset="0"/>
+                </a:endParaRPr>
               </a:p>
             </p:txBody>
           </p:sp>
@@ -11097,6 +11184,13 @@
                 </a:rPr>
                 <a:t>工作成果</a:t>
               </a:r>
+              <a:endParaRPr lang="zh-CN" altLang="en-US" kern="0" dirty="0">
+                <a:solidFill>
+                  <a:srgbClr val="1672FB"/>
+                </a:solidFill>
+                <a:latin typeface="Arial" panose="020B0604020202020204"/>
+                <a:ea typeface="微软雅黑" panose="020B0503020204020204" charset="-122"/>
+              </a:endParaRPr>
             </a:p>
           </p:txBody>
         </p:sp>
@@ -11526,6 +11620,14 @@
                   </a:rPr>
                   <a:t>二</a:t>
                 </a:r>
+                <a:endParaRPr lang="zh-CN" altLang="en-US" sz="2400" b="1" dirty="0">
+                  <a:solidFill>
+                    <a:schemeClr val="bg1"/>
+                  </a:solidFill>
+                  <a:latin typeface="Impact" panose="020B0806030902050204" pitchFamily="34" charset="0"/>
+                  <a:ea typeface="微软雅黑" panose="020B0503020204020204" charset="-122"/>
+                  <a:cs typeface="Aparajita" panose="020B0604020202020204" pitchFamily="34" charset="0"/>
+                </a:endParaRPr>
               </a:p>
             </p:txBody>
           </p:sp>
@@ -12143,6 +12245,14 @@
                   </a:rPr>
                   <a:t>三</a:t>
                 </a:r>
+                <a:endParaRPr lang="zh-CN" altLang="en-US" sz="2400" b="1" dirty="0">
+                  <a:solidFill>
+                    <a:schemeClr val="bg1"/>
+                  </a:solidFill>
+                  <a:latin typeface="Impact" panose="020B0806030902050204" pitchFamily="34" charset="0"/>
+                  <a:ea typeface="微软雅黑" panose="020B0503020204020204" charset="-122"/>
+                  <a:cs typeface="Aparajita" panose="020B0604020202020204" pitchFamily="34" charset="0"/>
+                </a:endParaRPr>
               </a:p>
             </p:txBody>
           </p:sp>
@@ -12477,6 +12587,13 @@
                 </a:rPr>
                 <a:t>未来规划</a:t>
               </a:r>
+              <a:endParaRPr lang="zh-CN" altLang="en-US" kern="0" dirty="0">
+                <a:solidFill>
+                  <a:srgbClr val="1672FB"/>
+                </a:solidFill>
+                <a:latin typeface="Arial" panose="020B0604020202020204"/>
+                <a:ea typeface="微软雅黑" panose="020B0503020204020204" charset="-122"/>
+              </a:endParaRPr>
             </a:p>
           </p:txBody>
         </p:sp>
@@ -12906,6 +13023,14 @@
                   </a:rPr>
                   <a:t>四</a:t>
                 </a:r>
+                <a:endParaRPr lang="zh-CN" altLang="en-US" sz="2400" b="1" dirty="0">
+                  <a:solidFill>
+                    <a:schemeClr val="bg1"/>
+                  </a:solidFill>
+                  <a:latin typeface="Impact" panose="020B0806030902050204" pitchFamily="34" charset="0"/>
+                  <a:ea typeface="微软雅黑" panose="020B0503020204020204" charset="-122"/>
+                  <a:cs typeface="Aparajita" panose="020B0604020202020204" pitchFamily="34" charset="0"/>
+                </a:endParaRPr>
               </a:p>
             </p:txBody>
           </p:sp>
@@ -12968,6 +13093,13 @@
               </a:rPr>
               <a:t>未来规划</a:t>
             </a:r>
+            <a:endParaRPr lang="zh-CN" altLang="en-US" sz="2700" b="1" dirty="0">
+              <a:solidFill>
+                <a:srgbClr val="1672FB"/>
+              </a:solidFill>
+              <a:latin typeface="微软雅黑" panose="020B0503020204020204" charset="-122"/>
+              <a:ea typeface="微软雅黑" panose="020B0503020204020204" charset="-122"/>
+            </a:endParaRPr>
           </a:p>
         </p:txBody>
       </p:sp>
@@ -13366,6 +13498,15 @@
               </a:rPr>
               <a:t>第一步</a:t>
             </a:r>
+            <a:endParaRPr lang="zh-CN" altLang="en-US" sz="1400" dirty="0">
+              <a:solidFill>
+                <a:schemeClr val="bg1"/>
+              </a:solidFill>
+              <a:latin typeface="+mn-lt"/>
+              <a:ea typeface="+mn-ea"/>
+              <a:cs typeface="+mn-ea"/>
+              <a:sym typeface="+mn-lt"/>
+            </a:endParaRPr>
           </a:p>
         </p:txBody>
       </p:sp>
@@ -13401,6 +13542,13 @@
               </a:rPr>
               <a:t>基本信息</a:t>
             </a:r>
+            <a:endParaRPr lang="zh-CN" sz="2700" b="1" dirty="0">
+              <a:solidFill>
+                <a:srgbClr val="1672FB"/>
+              </a:solidFill>
+              <a:latin typeface="微软雅黑" panose="020B0503020204020204" charset="-122"/>
+              <a:ea typeface="微软雅黑" panose="020B0503020204020204" charset="-122"/>
+            </a:endParaRPr>
           </a:p>
         </p:txBody>
       </p:sp>
@@ -13454,6 +13602,16 @@
                 </a:rPr>
                 <a:t>侯国坤</a:t>
               </a:r>
+              <a:endParaRPr lang="zh-CN" altLang="en-US" sz="2800" b="1" dirty="0">
+                <a:solidFill>
+                  <a:schemeClr val="tx1">
+                    <a:lumMod val="85000"/>
+                    <a:lumOff val="15000"/>
+                  </a:schemeClr>
+                </a:solidFill>
+                <a:latin typeface="微软雅黑" panose="020B0503020204020204" charset="-122"/>
+                <a:ea typeface="微软雅黑" panose="020B0503020204020204" charset="-122"/>
+              </a:endParaRPr>
             </a:p>
             <a:p>
               <a:pPr algn="ctr"/>
@@ -13545,6 +13703,16 @@
                 </a:rPr>
                 <a:t>高级开发</a:t>
               </a:r>
+              <a:endParaRPr lang="zh-CN" altLang="en-US" sz="2000" dirty="0">
+                <a:solidFill>
+                  <a:schemeClr val="tx1">
+                    <a:lumMod val="85000"/>
+                    <a:lumOff val="15000"/>
+                  </a:schemeClr>
+                </a:solidFill>
+                <a:latin typeface="微软雅黑" panose="020B0503020204020204" charset="-122"/>
+                <a:ea typeface="微软雅黑" panose="020B0503020204020204" charset="-122"/>
+              </a:endParaRPr>
             </a:p>
           </p:txBody>
         </p:sp>
@@ -13786,6 +13954,15 @@
                 </a:rPr>
                 <a:t>年</a:t>
               </a:r>
+              <a:endParaRPr lang="zh-CN" altLang="en-US" sz="1800" dirty="0">
+                <a:solidFill>
+                  <a:schemeClr val="tx1">
+                    <a:lumMod val="85000"/>
+                    <a:lumOff val="15000"/>
+                  </a:schemeClr>
+                </a:solidFill>
+                <a:latin typeface="微软雅黑" panose="020B0503020204020204" charset="-122"/>
+              </a:endParaRPr>
             </a:p>
           </p:txBody>
         </p:sp>
@@ -14073,6 +14250,16 @@
                   </a:rPr>
                   <a:t>日</a:t>
                 </a:r>
+                <a:endParaRPr lang="zh-CN" altLang="en-US" dirty="0">
+                  <a:solidFill>
+                    <a:schemeClr val="tx1">
+                      <a:lumMod val="85000"/>
+                      <a:lumOff val="15000"/>
+                    </a:schemeClr>
+                  </a:solidFill>
+                  <a:latin typeface="微软雅黑" panose="020B0503020204020204" charset="-122"/>
+                  <a:ea typeface="微软雅黑" panose="020B0503020204020204" charset="-122"/>
+                </a:endParaRPr>
               </a:p>
             </p:txBody>
           </p:sp>
@@ -14312,6 +14499,15 @@
               </a:rPr>
               <a:t>第一步</a:t>
             </a:r>
+            <a:endParaRPr lang="zh-CN" altLang="en-US" sz="1400" dirty="0">
+              <a:solidFill>
+                <a:schemeClr val="bg1"/>
+              </a:solidFill>
+              <a:latin typeface="+mn-lt"/>
+              <a:ea typeface="+mn-ea"/>
+              <a:cs typeface="+mn-ea"/>
+              <a:sym typeface="+mn-lt"/>
+            </a:endParaRPr>
           </a:p>
         </p:txBody>
       </p:sp>
@@ -14347,6 +14543,13 @@
               </a:rPr>
               <a:t>工作经历</a:t>
             </a:r>
+            <a:endParaRPr lang="zh-CN" sz="2700" b="1" dirty="0">
+              <a:solidFill>
+                <a:srgbClr val="1672FB"/>
+              </a:solidFill>
+              <a:latin typeface="微软雅黑" panose="020B0503020204020204" charset="-122"/>
+              <a:ea typeface="微软雅黑" panose="020B0503020204020204" charset="-122"/>
+            </a:endParaRPr>
           </a:p>
         </p:txBody>
       </p:sp>
@@ -14526,6 +14729,13 @@
               </a:rPr>
               <a:t>2016.07~2018.03</a:t>
             </a:r>
+            <a:endParaRPr lang="en-US" altLang="zh-CN" b="1" dirty="0">
+              <a:solidFill>
+                <a:srgbClr val="1672FB"/>
+              </a:solidFill>
+              <a:latin typeface="微软雅黑" panose="020B0503020204020204" charset="-122"/>
+              <a:ea typeface="微软雅黑" panose="020B0503020204020204" charset="-122"/>
+            </a:endParaRPr>
           </a:p>
           <a:p>
             <a:pPr algn="ctr" eaLnBrk="1" hangingPunct="1">
@@ -14560,6 +14770,13 @@
               </a:rPr>
               <a:t>冠捷科技</a:t>
             </a:r>
+            <a:endParaRPr lang="zh-CN" altLang="en-US" b="1" dirty="0">
+              <a:solidFill>
+                <a:srgbClr val="1672FB"/>
+              </a:solidFill>
+              <a:latin typeface="微软雅黑" panose="020B0503020204020204" charset="-122"/>
+              <a:ea typeface="微软雅黑" panose="020B0503020204020204" charset="-122"/>
+            </a:endParaRPr>
           </a:p>
           <a:p>
             <a:pPr algn="ctr" eaLnBrk="1" hangingPunct="1">
@@ -14585,6 +14802,14 @@
               </a:rPr>
               <a:t>服务部门：Mobile ASC</a:t>
             </a:r>
+            <a:endParaRPr lang="en-US" altLang="zh-CN" b="1" dirty="0">
+              <a:solidFill>
+                <a:srgbClr val="1672FB"/>
+              </a:solidFill>
+              <a:latin typeface="微软雅黑" panose="020B0503020204020204" charset="-122"/>
+              <a:ea typeface="微软雅黑" panose="020B0503020204020204" charset="-122"/>
+              <a:sym typeface="+mn-ea"/>
+            </a:endParaRPr>
           </a:p>
           <a:p>
             <a:pPr algn="ctr" eaLnBrk="1" hangingPunct="1">
@@ -14769,6 +14994,17 @@
               </a:rPr>
               <a:t>资深工程师</a:t>
             </a:r>
+            <a:endParaRPr lang="zh-CN" altLang="en-US" b="1" dirty="0">
+              <a:solidFill>
+                <a:schemeClr val="tx1">
+                  <a:lumMod val="85000"/>
+                  <a:lumOff val="15000"/>
+                </a:schemeClr>
+              </a:solidFill>
+              <a:latin typeface="微软雅黑" panose="020B0503020204020204" charset="-122"/>
+              <a:ea typeface="微软雅黑" panose="020B0503020204020204" charset="-122"/>
+              <a:sym typeface="+mn-ea"/>
+            </a:endParaRPr>
           </a:p>
           <a:p>
             <a:pPr lvl="0" algn="l">
@@ -15019,6 +15255,13 @@
               </a:rPr>
               <a:t>至今</a:t>
             </a:r>
+            <a:endParaRPr lang="zh-CN" altLang="en-US" b="1" dirty="0">
+              <a:solidFill>
+                <a:srgbClr val="1672FB"/>
+              </a:solidFill>
+              <a:latin typeface="微软雅黑" panose="020B0503020204020204" charset="-122"/>
+              <a:ea typeface="微软雅黑" panose="020B0503020204020204" charset="-122"/>
+            </a:endParaRPr>
           </a:p>
           <a:p>
             <a:pPr algn="ctr" eaLnBrk="1" hangingPunct="1">
@@ -15075,6 +15318,13 @@
               </a:rPr>
               <a:t>服务部门：研发中心</a:t>
             </a:r>
+            <a:endParaRPr lang="zh-CN" altLang="en-US" b="1" dirty="0">
+              <a:solidFill>
+                <a:srgbClr val="1672FB"/>
+              </a:solidFill>
+              <a:latin typeface="微软雅黑" panose="020B0503020204020204" charset="-122"/>
+              <a:ea typeface="微软雅黑" panose="020B0503020204020204" charset="-122"/>
+            </a:endParaRPr>
           </a:p>
         </p:txBody>
       </p:sp>
@@ -15253,6 +15503,16 @@
               </a:rPr>
               <a:t>安卓开发工程师</a:t>
             </a:r>
+            <a:endParaRPr lang="zh-CN" altLang="en-US" b="1" dirty="0">
+              <a:solidFill>
+                <a:schemeClr val="tx1">
+                  <a:lumMod val="85000"/>
+                  <a:lumOff val="15000"/>
+                </a:schemeClr>
+              </a:solidFill>
+              <a:latin typeface="微软雅黑" panose="020B0503020204020204" charset="-122"/>
+              <a:ea typeface="微软雅黑" panose="020B0503020204020204" charset="-122"/>
+            </a:endParaRPr>
           </a:p>
           <a:p>
             <a:pPr algn="l">
@@ -15847,10 +16107,10 @@
           <p:nvPr/>
         </p:nvPicPr>
         <p:blipFill>
-          <a:blip r:embed="rId15">
+          <a:blip r:embed="rId13">
             <a:extLst>
               <a:ext uri="{96DAC541-7B7A-43D3-8B79-37D633B846F1}">
-                <asvg:svgBlip xmlns:asvg="http://schemas.microsoft.com/office/drawing/2016/SVG/main" r:embed="rId16"/>
+                <asvg:svgBlip xmlns:asvg="http://schemas.microsoft.com/office/drawing/2016/SVG/main" r:embed="rId14"/>
               </a:ext>
             </a:extLst>
           </a:blip>
@@ -15877,7 +16137,7 @@
           <p:nvPr/>
         </p:nvPicPr>
         <p:blipFill>
-          <a:blip r:embed="rId17"/>
+          <a:blip r:embed="rId15"/>
           <a:stretch>
             <a:fillRect/>
           </a:stretch>
@@ -15901,7 +16161,7 @@
           <p:nvPr/>
         </p:nvPicPr>
         <p:blipFill>
-          <a:blip r:embed="rId17"/>
+          <a:blip r:embed="rId15"/>
           <a:stretch>
             <a:fillRect/>
           </a:stretch>
@@ -16003,6 +16263,13 @@
                   </a:rPr>
                   <a:t>免流业务思考与实践</a:t>
                 </a:r>
+                <a:endParaRPr lang="zh-CN" altLang="en-US" sz="2400" b="1" dirty="0">
+                  <a:solidFill>
+                    <a:srgbClr val="1672FB"/>
+                  </a:solidFill>
+                  <a:latin typeface="微软雅黑" panose="020B0503020204020204" charset="-122"/>
+                  <a:ea typeface="微软雅黑" panose="020B0503020204020204" charset="-122"/>
+                </a:endParaRPr>
               </a:p>
             </p:txBody>
           </p:sp>
@@ -16108,6 +16375,14 @@
                     </a:rPr>
                     <a:t>播放器业务重构</a:t>
                   </a:r>
+                  <a:endParaRPr lang="zh-CN" altLang="en-US" sz="2400" b="1" dirty="0">
+                    <a:solidFill>
+                      <a:srgbClr val="1672FB"/>
+                    </a:solidFill>
+                    <a:latin typeface="微软雅黑" panose="020B0503020204020204" charset="-122"/>
+                    <a:ea typeface="微软雅黑" panose="020B0503020204020204" charset="-122"/>
+                    <a:sym typeface="+mn-ea"/>
+                  </a:endParaRPr>
                 </a:p>
               </p:txBody>
             </p:sp>
@@ -27591,12 +27866,12 @@
           <a:graphicData uri="http://schemas.openxmlformats.org/presentationml/2006/ole">
             <mc:AlternateContent xmlns:mc="http://schemas.openxmlformats.org/markup-compatibility/2006">
               <mc:Choice xmlns:v="urn:schemas-microsoft-com:vml" Requires="v">
-                <p:oleObj r:id="rId3" imgW="5638800" imgH="6273800" progId="Visio.Drawing.11">
+                <p:oleObj spid="_x0000_s0" name="" r:id="rId1" imgW="5638800" imgH="6273800" progId="Visio.Drawing.11">
                   <p:embed/>
                 </p:oleObj>
               </mc:Choice>
               <mc:Fallback>
-                <p:oleObj r:id="rId3" imgW="5638800" imgH="6273800" progId="Visio.Drawing.11">
+                <p:oleObj name="" r:id="rId1" imgW="5638800" imgH="6273800" progId="Visio.Drawing.11">
                   <p:embed/>
                   <p:pic>
                     <p:nvPicPr>
@@ -27605,7 +27880,7 @@
                       <p:nvPr/>
                     </p:nvPicPr>
                     <p:blipFill>
-                      <a:blip r:embed="rId4"/>
+                      <a:blip r:embed="rId2"/>
                       <a:stretch>
                         <a:fillRect/>
                       </a:stretch>
@@ -27749,6 +28024,11 @@
               </a:rPr>
               <a:t>实践中存在的问题？</a:t>
             </a:r>
+            <a:endParaRPr lang="zh-CN" altLang="en-US" sz="2000" b="1" dirty="0">
+              <a:solidFill>
+                <a:srgbClr val="FF0000"/>
+              </a:solidFill>
+            </a:endParaRPr>
           </a:p>
           <a:p>
             <a:pPr marL="285750" indent="-285750" algn="l">
@@ -27768,6 +28048,7 @@
               <a:rPr lang="zh-CN" altLang="en-US" sz="1800" dirty="0"/>
               <a:t>项目中有多个Http客户端实例，如何为每一个实例加鉴权信息？</a:t>
             </a:r>
+            <a:endParaRPr lang="zh-CN" altLang="en-US" sz="1800" dirty="0"/>
           </a:p>
           <a:p>
             <a:pPr marL="285750" indent="-285750" algn="l">
@@ -27839,6 +28120,7 @@
               <a:rPr lang="zh-CN" altLang="en-US" dirty="0"/>
               <a:t>如果免流业务线上存在问题，如何动态关闭和打开？</a:t>
             </a:r>
+            <a:endParaRPr lang="zh-CN" altLang="en-US" dirty="0"/>
           </a:p>
         </p:txBody>
       </p:sp>
@@ -28094,6 +28376,7 @@
               <a:rPr lang="zh-CN" altLang="en-US" sz="2000" b="1"/>
               <a:t>现有方案一：</a:t>
             </a:r>
+            <a:endParaRPr lang="zh-CN" altLang="en-US" sz="2000" b="1"/>
           </a:p>
           <a:p>
             <a:pPr marL="285750" indent="-285750">
@@ -28137,6 +28420,9 @@
               </a:rPr>
               <a:t>。</a:t>
             </a:r>
+            <a:endParaRPr lang="zh-CN" altLang="en-US">
+              <a:sym typeface="+mn-ea"/>
+            </a:endParaRPr>
           </a:p>
           <a:p>
             <a:pPr marL="285750" indent="-285750">
@@ -28170,6 +28456,9 @@
               </a:rPr>
               <a:t>实例，每处使用的地方添加一个Interceptor。</a:t>
             </a:r>
+            <a:endParaRPr lang="zh-CN" altLang="en-US">
+              <a:sym typeface="+mn-ea"/>
+            </a:endParaRPr>
           </a:p>
           <a:p>
             <a:pPr marL="285750" indent="-285750">
@@ -28245,6 +28534,9 @@
               </a:rPr>
               <a:t>的OkHttpDataSource；另外一种方式是使用反射。</a:t>
             </a:r>
+            <a:endParaRPr lang="zh-CN" altLang="en-US">
+              <a:sym typeface="+mn-ea"/>
+            </a:endParaRPr>
           </a:p>
         </p:txBody>
       </p:sp>
@@ -28500,6 +28792,7 @@
               <a:rPr lang="zh-CN" sz="2000" dirty="0"/>
               <a:t>。</a:t>
             </a:r>
+            <a:endParaRPr lang="zh-CN" sz="2000" dirty="0"/>
           </a:p>
         </p:txBody>
       </p:sp>
@@ -28512,7 +28805,7 @@
           <p:nvPr/>
         </p:nvPicPr>
         <p:blipFill>
-          <a:blip r:embed="rId3"/>
+          <a:blip r:embed="rId1"/>
           <a:stretch>
             <a:fillRect/>
           </a:stretch>
@@ -28751,7 +29044,7 @@
           <p:nvPr/>
         </p:nvPicPr>
         <p:blipFill>
-          <a:blip r:embed="rId3"/>
+          <a:blip r:embed="rId1"/>
           <a:stretch>
             <a:fillRect/>
           </a:stretch>
@@ -28799,6 +29092,7 @@
               <a:rPr lang="zh-CN" altLang="en-US" dirty="0"/>
               <a:t>暴露组件只存放服务接口、服务接口相关的实体类、路由信息、</a:t>
             </a:r>
+            <a:endParaRPr lang="zh-CN" altLang="en-US" dirty="0"/>
           </a:p>
           <a:p>
             <a:pPr algn="l">
@@ -28814,6 +29108,7 @@
               <a:rPr lang="zh-CN" altLang="en-US" dirty="0"/>
               <a:t>便于服务调用的util等。</a:t>
             </a:r>
+            <a:endParaRPr lang="zh-CN" altLang="en-US" dirty="0"/>
           </a:p>
           <a:p>
             <a:pPr marL="285750" indent="-285750" algn="l">
@@ -28845,6 +29140,7 @@
               <a:rPr lang="zh-CN" altLang="en-US" dirty="0"/>
               <a:t>依赖</a:t>
             </a:r>
+            <a:endParaRPr lang="zh-CN" altLang="en-US" dirty="0"/>
           </a:p>
           <a:p>
             <a:pPr indent="0" algn="l">
@@ -28878,6 +29174,7 @@
               <a:rPr lang="zh-CN" altLang="en-US" dirty="0"/>
               <a:t>。</a:t>
             </a:r>
+            <a:endParaRPr lang="zh-CN" altLang="en-US" dirty="0"/>
           </a:p>
           <a:p>
             <a:pPr marL="285750" indent="-285750" algn="l">
@@ -28917,6 +29214,7 @@
               <a:rPr lang="zh-CN" altLang="en-US" dirty="0"/>
               <a:t>并实现其中的服务接口。</a:t>
             </a:r>
+            <a:endParaRPr lang="zh-CN" altLang="en-US" dirty="0"/>
           </a:p>
           <a:p>
             <a:pPr marL="285750" indent="-285750" algn="l">
@@ -28930,6 +29228,7 @@
               <a:rPr lang="zh-CN" altLang="en-US" dirty="0"/>
               <a:t>接口的实现注入是由Router完成，和页面跳转一样使用路由信息。</a:t>
             </a:r>
+            <a:endParaRPr lang="zh-CN" altLang="en-US" dirty="0"/>
           </a:p>
         </p:txBody>
       </p:sp>
@@ -28942,22 +29241,16 @@
 </file>
 
 <file path=ppt/tags/tag1.xml><?xml version="1.0" encoding="utf-8"?>
-<p:tagLst xmlns:a="http://schemas.openxmlformats.org/drawingml/2006/main" xmlns:r="http://schemas.openxmlformats.org/officeDocument/2006/relationships" xmlns:p="http://schemas.openxmlformats.org/presentationml/2006/main">
-  <p:tag name="ISPRING_RESOURCE_PATHS_HASH_2" val="98f42fbeb3218f2a3a7e477b64a1701492a5db7e"/>
+<p:tagLst xmlns:p="http://schemas.openxmlformats.org/presentationml/2006/main">
+  <p:tag name="MH" val="20151208221311"/>
+  <p:tag name="MH_LIBRARY" val="GRAPHIC"/>
+  <p:tag name="MH_TYPE" val="Other"/>
+  <p:tag name="MH_ORDER" val="1"/>
 </p:tagLst>
 </file>
 
 <file path=ppt/tags/tag10.xml><?xml version="1.0" encoding="utf-8"?>
-<p:tagLst xmlns:a="http://schemas.openxmlformats.org/drawingml/2006/main" xmlns:r="http://schemas.openxmlformats.org/officeDocument/2006/relationships" xmlns:p="http://schemas.openxmlformats.org/presentationml/2006/main">
-  <p:tag name="MH" val="20151208221311"/>
-  <p:tag name="MH_LIBRARY" val="GRAPHIC"/>
-  <p:tag name="MH_TYPE" val="Other"/>
-  <p:tag name="MH_ORDER" val="7"/>
-</p:tagLst>
-</file>
-
-<file path=ppt/tags/tag11.xml><?xml version="1.0" encoding="utf-8"?>
-<p:tagLst xmlns:a="http://schemas.openxmlformats.org/drawingml/2006/main" xmlns:r="http://schemas.openxmlformats.org/officeDocument/2006/relationships" xmlns:p="http://schemas.openxmlformats.org/presentationml/2006/main">
+<p:tagLst xmlns:p="http://schemas.openxmlformats.org/presentationml/2006/main">
   <p:tag name="MH" val="20151208221311"/>
   <p:tag name="MH_LIBRARY" val="GRAPHIC"/>
   <p:tag name="MH_TYPE" val="Other"/>
@@ -28965,8 +29258,8 @@
 </p:tagLst>
 </file>
 
-<file path=ppt/tags/tag12.xml><?xml version="1.0" encoding="utf-8"?>
-<p:tagLst xmlns:a="http://schemas.openxmlformats.org/drawingml/2006/main" xmlns:r="http://schemas.openxmlformats.org/officeDocument/2006/relationships" xmlns:p="http://schemas.openxmlformats.org/presentationml/2006/main">
+<file path=ppt/tags/tag11.xml><?xml version="1.0" encoding="utf-8"?>
+<p:tagLst xmlns:p="http://schemas.openxmlformats.org/presentationml/2006/main">
   <p:tag name="MH" val="20151208221311"/>
   <p:tag name="MH_LIBRARY" val="GRAPHIC"/>
   <p:tag name="MH_TYPE" val="Other"/>
@@ -28974,8 +29267,8 @@
 </p:tagLst>
 </file>
 
-<file path=ppt/tags/tag13.xml><?xml version="1.0" encoding="utf-8"?>
-<p:tagLst xmlns:a="http://schemas.openxmlformats.org/drawingml/2006/main" xmlns:r="http://schemas.openxmlformats.org/officeDocument/2006/relationships" xmlns:p="http://schemas.openxmlformats.org/presentationml/2006/main">
+<file path=ppt/tags/tag12.xml><?xml version="1.0" encoding="utf-8"?>
+<p:tagLst xmlns:p="http://schemas.openxmlformats.org/presentationml/2006/main">
   <p:tag name="MH" val="20151208221311"/>
   <p:tag name="MH_LIBRARY" val="GRAPHIC"/>
   <p:tag name="MH_TYPE" val="Other"/>
@@ -28983,25 +29276,22 @@
 </p:tagLst>
 </file>
 
-<file path=ppt/tags/tag14.xml><?xml version="1.0" encoding="utf-8"?>
-<p:tagLst xmlns:a="http://schemas.openxmlformats.org/drawingml/2006/main" xmlns:r="http://schemas.openxmlformats.org/officeDocument/2006/relationships" xmlns:p="http://schemas.openxmlformats.org/presentationml/2006/main">
+<file path=ppt/tags/tag13.xml><?xml version="1.0" encoding="utf-8"?>
+<p:tagLst xmlns:p="http://schemas.openxmlformats.org/presentationml/2006/main">
   <p:tag name="KSO_WM_UNIT_TABLE_BEAUTIFY" val="smartTable{e8c2fcd3-6e3e-425d-b7ea-6ded0c381608}"/>
   <p:tag name="TABLE_ENDDRAG_ORIGIN_RECT" val="695*241"/>
   <p:tag name="TABLE_ENDDRAG_RECT" val="74*111*695*241"/>
 </p:tagLst>
 </file>
 
-<file path=ppt/tags/tag2.xml><?xml version="1.0" encoding="utf-8"?>
-<p:tagLst xmlns:a="http://schemas.openxmlformats.org/drawingml/2006/main" xmlns:r="http://schemas.openxmlformats.org/officeDocument/2006/relationships" xmlns:p="http://schemas.openxmlformats.org/presentationml/2006/main">
-  <p:tag name="MH" val="20151208221311"/>
-  <p:tag name="MH_LIBRARY" val="GRAPHIC"/>
-  <p:tag name="MH_TYPE" val="Other"/>
-  <p:tag name="MH_ORDER" val="1"/>
+<file path=ppt/tags/tag14.xml><?xml version="1.0" encoding="utf-8"?>
+<p:tagLst xmlns:p="http://schemas.openxmlformats.org/presentationml/2006/main">
+  <p:tag name="ISPRING_RESOURCE_PATHS_HASH_2" val="98f42fbeb3218f2a3a7e477b64a1701492a5db7e"/>
 </p:tagLst>
 </file>
 
-<file path=ppt/tags/tag3.xml><?xml version="1.0" encoding="utf-8"?>
-<p:tagLst xmlns:a="http://schemas.openxmlformats.org/drawingml/2006/main" xmlns:r="http://schemas.openxmlformats.org/officeDocument/2006/relationships" xmlns:p="http://schemas.openxmlformats.org/presentationml/2006/main">
+<file path=ppt/tags/tag2.xml><?xml version="1.0" encoding="utf-8"?>
+<p:tagLst xmlns:p="http://schemas.openxmlformats.org/presentationml/2006/main">
   <p:tag name="MH" val="20151208221311"/>
   <p:tag name="MH_LIBRARY" val="GRAPHIC"/>
   <p:tag name="MH_TYPE" val="SubTitle"/>
@@ -29009,8 +29299,8 @@
 </p:tagLst>
 </file>
 
-<file path=ppt/tags/tag4.xml><?xml version="1.0" encoding="utf-8"?>
-<p:tagLst xmlns:a="http://schemas.openxmlformats.org/drawingml/2006/main" xmlns:r="http://schemas.openxmlformats.org/officeDocument/2006/relationships" xmlns:p="http://schemas.openxmlformats.org/presentationml/2006/main">
+<file path=ppt/tags/tag3.xml><?xml version="1.0" encoding="utf-8"?>
+<p:tagLst xmlns:p="http://schemas.openxmlformats.org/presentationml/2006/main">
   <p:tag name="MH" val="20151208221311"/>
   <p:tag name="MH_LIBRARY" val="GRAPHIC"/>
   <p:tag name="MH_TYPE" val="Text"/>
@@ -29018,8 +29308,8 @@
 </p:tagLst>
 </file>
 
-<file path=ppt/tags/tag5.xml><?xml version="1.0" encoding="utf-8"?>
-<p:tagLst xmlns:a="http://schemas.openxmlformats.org/drawingml/2006/main" xmlns:r="http://schemas.openxmlformats.org/officeDocument/2006/relationships" xmlns:p="http://schemas.openxmlformats.org/presentationml/2006/main">
+<file path=ppt/tags/tag4.xml><?xml version="1.0" encoding="utf-8"?>
+<p:tagLst xmlns:p="http://schemas.openxmlformats.org/presentationml/2006/main">
   <p:tag name="MH" val="20151208221311"/>
   <p:tag name="MH_LIBRARY" val="GRAPHIC"/>
   <p:tag name="MH_TYPE" val="SubTitle"/>
@@ -29027,8 +29317,8 @@
 </p:tagLst>
 </file>
 
-<file path=ppt/tags/tag6.xml><?xml version="1.0" encoding="utf-8"?>
-<p:tagLst xmlns:a="http://schemas.openxmlformats.org/drawingml/2006/main" xmlns:r="http://schemas.openxmlformats.org/officeDocument/2006/relationships" xmlns:p="http://schemas.openxmlformats.org/presentationml/2006/main">
+<file path=ppt/tags/tag5.xml><?xml version="1.0" encoding="utf-8"?>
+<p:tagLst xmlns:p="http://schemas.openxmlformats.org/presentationml/2006/main">
   <p:tag name="MH" val="20151208221311"/>
   <p:tag name="MH_LIBRARY" val="GRAPHIC"/>
   <p:tag name="MH_TYPE" val="Text"/>
@@ -29036,8 +29326,8 @@
 </p:tagLst>
 </file>
 
-<file path=ppt/tags/tag7.xml><?xml version="1.0" encoding="utf-8"?>
-<p:tagLst xmlns:a="http://schemas.openxmlformats.org/drawingml/2006/main" xmlns:r="http://schemas.openxmlformats.org/officeDocument/2006/relationships" xmlns:p="http://schemas.openxmlformats.org/presentationml/2006/main">
+<file path=ppt/tags/tag6.xml><?xml version="1.0" encoding="utf-8"?>
+<p:tagLst xmlns:p="http://schemas.openxmlformats.org/presentationml/2006/main">
   <p:tag name="MH" val="20151208221311"/>
   <p:tag name="MH_LIBRARY" val="GRAPHIC"/>
   <p:tag name="MH_TYPE" val="Other"/>
@@ -29045,8 +29335,8 @@
 </p:tagLst>
 </file>
 
-<file path=ppt/tags/tag8.xml><?xml version="1.0" encoding="utf-8"?>
-<p:tagLst xmlns:a="http://schemas.openxmlformats.org/drawingml/2006/main" xmlns:r="http://schemas.openxmlformats.org/officeDocument/2006/relationships" xmlns:p="http://schemas.openxmlformats.org/presentationml/2006/main">
+<file path=ppt/tags/tag7.xml><?xml version="1.0" encoding="utf-8"?>
+<p:tagLst xmlns:p="http://schemas.openxmlformats.org/presentationml/2006/main">
   <p:tag name="MH" val="20151208221311"/>
   <p:tag name="MH_LIBRARY" val="GRAPHIC"/>
   <p:tag name="MH_TYPE" val="Other"/>
@@ -29054,12 +29344,21 @@
 </p:tagLst>
 </file>
 
-<file path=ppt/tags/tag9.xml><?xml version="1.0" encoding="utf-8"?>
-<p:tagLst xmlns:a="http://schemas.openxmlformats.org/drawingml/2006/main" xmlns:r="http://schemas.openxmlformats.org/officeDocument/2006/relationships" xmlns:p="http://schemas.openxmlformats.org/presentationml/2006/main">
+<file path=ppt/tags/tag8.xml><?xml version="1.0" encoding="utf-8"?>
+<p:tagLst xmlns:p="http://schemas.openxmlformats.org/presentationml/2006/main">
   <p:tag name="MH" val="20151208221311"/>
   <p:tag name="MH_LIBRARY" val="GRAPHIC"/>
   <p:tag name="MH_TYPE" val="Other"/>
   <p:tag name="MH_ORDER" val="5"/>
+</p:tagLst>
+</file>
+
+<file path=ppt/tags/tag9.xml><?xml version="1.0" encoding="utf-8"?>
+<p:tagLst xmlns:p="http://schemas.openxmlformats.org/presentationml/2006/main">
+  <p:tag name="MH" val="20151208221311"/>
+  <p:tag name="MH_LIBRARY" val="GRAPHIC"/>
+  <p:tag name="MH_TYPE" val="Other"/>
+  <p:tag name="MH_ORDER" val="7"/>
 </p:tagLst>
 </file>
 
@@ -29254,8 +29553,6 @@
       </a:bgFillStyleLst>
     </a:fmtScheme>
   </a:themeElements>
-  <a:objectDefaults/>
-  <a:extraClrSchemeLst/>
   <a:extLst>
     <a:ext uri="{05A4C25C-085E-4340-85A3-A5531E510DB2}">
       <thm15:themeFamily xmlns:thm15="http://schemas.microsoft.com/office/thememl/2012/main" name="Office Theme" id="{62F939B6-93AF-4DB8-9C6B-D6C7DFDC589F}" vid="{4A3C46E8-61CC-4603-A589-7422A47A8E4A}"/>
@@ -29515,8 +29812,6 @@
       </a:bgFillStyleLst>
     </a:fmtScheme>
   </a:themeElements>
-  <a:objectDefaults/>
-  <a:extraClrSchemeLst/>
   <a:extLst>
     <a:ext uri="{05A4C25C-085E-4340-85A3-A5531E510DB2}">
       <thm15:themeFamily xmlns:thm15="http://schemas.microsoft.com/office/thememl/2012/main" name="Office Theme" id="{62F939B6-93AF-4DB8-9C6B-D6C7DFDC589F}" vid="{4A3C46E8-61CC-4603-A589-7422A47A8E4A}"/>
